--- a/projects/SoftwareDesign_by_Nikita_Ravi_and_Jonno/CanvasSoftwareDesign.pptx
+++ b/projects/SoftwareDesign_by_Nikita_Ravi_and_Jonno/CanvasSoftwareDesign.pptx
@@ -5,11 +5,10 @@
     <p:sldMasterId id="2147483659" r:id="rId1"/>
   </p:sldMasterIdLst>
   <p:notesMasterIdLst>
-    <p:notesMasterId r:id="rId4"/>
+    <p:notesMasterId r:id="rId3"/>
   </p:notesMasterIdLst>
   <p:sldIdLst>
     <p:sldId id="256" r:id="rId2"/>
-    <p:sldId id="257" r:id="rId3"/>
   </p:sldIdLst>
   <p:sldSz cx="9144000" cy="5143500" type="screen16x9"/>
   <p:notesSz cx="6858000" cy="9144000"/>
@@ -831,110 +830,6 @@
 </p:notes>
 </file>
 
-<file path=ppt/notesSlides/notesSlide2.xml><?xml version="1.0" encoding="utf-8"?>
-<p:notes xmlns:a="http://schemas.openxmlformats.org/drawingml/2006/main" xmlns:r="http://schemas.openxmlformats.org/officeDocument/2006/relationships" xmlns:p="http://schemas.openxmlformats.org/presentationml/2006/main" showMasterSp="0" showMasterPhAnim="0">
-  <p:cSld>
-    <p:spTree>
-      <p:nvGrpSpPr>
-        <p:cNvPr id="1" name="Shape 65"/>
-        <p:cNvGrpSpPr/>
-        <p:nvPr/>
-      </p:nvGrpSpPr>
-      <p:grpSpPr>
-        <a:xfrm>
-          <a:off x="0" y="0"/>
-          <a:ext cx="0" cy="0"/>
-          <a:chOff x="0" y="0"/>
-          <a:chExt cx="0" cy="0"/>
-        </a:xfrm>
-      </p:grpSpPr>
-      <p:sp>
-        <p:nvSpPr>
-          <p:cNvPr id="66" name="Google Shape;66;g1b30ce0bb1_0_90:notes"/>
-          <p:cNvSpPr>
-            <a:spLocks noGrp="1" noRot="1" noChangeAspect="1"/>
-          </p:cNvSpPr>
-          <p:nvPr>
-            <p:ph type="sldImg" idx="2"/>
-          </p:nvPr>
-        </p:nvSpPr>
-        <p:spPr>
-          <a:xfrm>
-            <a:off x="381300" y="685800"/>
-            <a:ext cx="6096000" cy="3429000"/>
-          </a:xfrm>
-          <a:custGeom>
-            <a:avLst/>
-            <a:gdLst/>
-            <a:ahLst/>
-            <a:cxnLst/>
-            <a:rect l="l" t="t" r="r" b="b"/>
-            <a:pathLst>
-              <a:path w="120000" h="120000" extrusionOk="0">
-                <a:moveTo>
-                  <a:pt x="0" y="0"/>
-                </a:moveTo>
-                <a:lnTo>
-                  <a:pt x="120000" y="0"/>
-                </a:lnTo>
-                <a:lnTo>
-                  <a:pt x="120000" y="120000"/>
-                </a:lnTo>
-                <a:lnTo>
-                  <a:pt x="0" y="120000"/>
-                </a:lnTo>
-                <a:close/>
-              </a:path>
-            </a:pathLst>
-          </a:custGeom>
-        </p:spPr>
-      </p:sp>
-      <p:sp>
-        <p:nvSpPr>
-          <p:cNvPr id="67" name="Google Shape;67;g1b30ce0bb1_0_90:notes"/>
-          <p:cNvSpPr txBox="1">
-            <a:spLocks noGrp="1"/>
-          </p:cNvSpPr>
-          <p:nvPr>
-            <p:ph type="body" idx="1"/>
-          </p:nvPr>
-        </p:nvSpPr>
-        <p:spPr>
-          <a:xfrm>
-            <a:off x="685800" y="4343400"/>
-            <a:ext cx="5486400" cy="4114800"/>
-          </a:xfrm>
-          <a:prstGeom prst="rect">
-            <a:avLst/>
-          </a:prstGeom>
-        </p:spPr>
-        <p:txBody>
-          <a:bodyPr spcFirstLastPara="1" wrap="square" lIns="91425" tIns="91425" rIns="91425" bIns="91425" anchor="t" anchorCtr="0">
-            <a:noAutofit/>
-          </a:bodyPr>
-          <a:lstStyle/>
-          <a:p>
-            <a:pPr marL="0" lvl="0" indent="0" algn="l" rtl="0">
-              <a:spcBef>
-                <a:spcPts val="0"/>
-              </a:spcBef>
-              <a:spcAft>
-                <a:spcPts val="0"/>
-              </a:spcAft>
-              <a:buNone/>
-            </a:pPr>
-            <a:endParaRPr/>
-          </a:p>
-        </p:txBody>
-      </p:sp>
-    </p:spTree>
-  </p:cSld>
-  <p:clrMapOvr>
-    <a:masterClrMapping/>
-  </p:clrMapOvr>
-</p:notes>
-</file>
-
 <file path=ppt/slideLayouts/slideLayout1.xml><?xml version="1.0" encoding="utf-8"?>
 <p:sldLayout xmlns:a="http://schemas.openxmlformats.org/drawingml/2006/main" xmlns:r="http://schemas.openxmlformats.org/officeDocument/2006/relationships" xmlns:p="http://schemas.openxmlformats.org/presentationml/2006/main" matchingName="Title slide" type="title">
   <p:cSld name="TITLE">
@@ -1325,370 +1220,6 @@
 </file>
 
 <file path=ppt/slideLayouts/slideLayout10.xml><?xml version="1.0" encoding="utf-8"?>
-<p:sldLayout xmlns:a="http://schemas.openxmlformats.org/drawingml/2006/main" xmlns:r="http://schemas.openxmlformats.org/officeDocument/2006/relationships" xmlns:p="http://schemas.openxmlformats.org/presentationml/2006/main" matchingName="Big number">
-  <p:cSld name="BIG_NUMBER">
-    <p:spTree>
-      <p:nvGrpSpPr>
-        <p:cNvPr id="1" name="Shape 44"/>
-        <p:cNvGrpSpPr/>
-        <p:nvPr/>
-      </p:nvGrpSpPr>
-      <p:grpSpPr>
-        <a:xfrm>
-          <a:off x="0" y="0"/>
-          <a:ext cx="0" cy="0"/>
-          <a:chOff x="0" y="0"/>
-          <a:chExt cx="0" cy="0"/>
-        </a:xfrm>
-      </p:grpSpPr>
-      <p:sp>
-        <p:nvSpPr>
-          <p:cNvPr id="45" name="Google Shape;45;p11"/>
-          <p:cNvSpPr txBox="1">
-            <a:spLocks noGrp="1"/>
-          </p:cNvSpPr>
-          <p:nvPr>
-            <p:ph type="title" hasCustomPrompt="1"/>
-          </p:nvPr>
-        </p:nvSpPr>
-        <p:spPr>
-          <a:xfrm>
-            <a:off x="311700" y="1106125"/>
-            <a:ext cx="8520600" cy="1963500"/>
-          </a:xfrm>
-          <a:prstGeom prst="rect">
-            <a:avLst/>
-          </a:prstGeom>
-        </p:spPr>
-        <p:txBody>
-          <a:bodyPr spcFirstLastPara="1" wrap="square" lIns="91425" tIns="91425" rIns="91425" bIns="91425" anchor="b" anchorCtr="0">
-            <a:noAutofit/>
-          </a:bodyPr>
-          <a:lstStyle>
-            <a:lvl1pPr lvl="0" algn="ctr">
-              <a:spcBef>
-                <a:spcPts val="0"/>
-              </a:spcBef>
-              <a:spcAft>
-                <a:spcPts val="0"/>
-              </a:spcAft>
-              <a:buSzPts val="12000"/>
-              <a:buNone/>
-              <a:defRPr sz="12000"/>
-            </a:lvl1pPr>
-            <a:lvl2pPr lvl="1" algn="ctr">
-              <a:spcBef>
-                <a:spcPts val="0"/>
-              </a:spcBef>
-              <a:spcAft>
-                <a:spcPts val="0"/>
-              </a:spcAft>
-              <a:buSzPts val="12000"/>
-              <a:buNone/>
-              <a:defRPr sz="12000"/>
-            </a:lvl2pPr>
-            <a:lvl3pPr lvl="2" algn="ctr">
-              <a:spcBef>
-                <a:spcPts val="0"/>
-              </a:spcBef>
-              <a:spcAft>
-                <a:spcPts val="0"/>
-              </a:spcAft>
-              <a:buSzPts val="12000"/>
-              <a:buNone/>
-              <a:defRPr sz="12000"/>
-            </a:lvl3pPr>
-            <a:lvl4pPr lvl="3" algn="ctr">
-              <a:spcBef>
-                <a:spcPts val="0"/>
-              </a:spcBef>
-              <a:spcAft>
-                <a:spcPts val="0"/>
-              </a:spcAft>
-              <a:buSzPts val="12000"/>
-              <a:buNone/>
-              <a:defRPr sz="12000"/>
-            </a:lvl4pPr>
-            <a:lvl5pPr lvl="4" algn="ctr">
-              <a:spcBef>
-                <a:spcPts val="0"/>
-              </a:spcBef>
-              <a:spcAft>
-                <a:spcPts val="0"/>
-              </a:spcAft>
-              <a:buSzPts val="12000"/>
-              <a:buNone/>
-              <a:defRPr sz="12000"/>
-            </a:lvl5pPr>
-            <a:lvl6pPr lvl="5" algn="ctr">
-              <a:spcBef>
-                <a:spcPts val="0"/>
-              </a:spcBef>
-              <a:spcAft>
-                <a:spcPts val="0"/>
-              </a:spcAft>
-              <a:buSzPts val="12000"/>
-              <a:buNone/>
-              <a:defRPr sz="12000"/>
-            </a:lvl6pPr>
-            <a:lvl7pPr lvl="6" algn="ctr">
-              <a:spcBef>
-                <a:spcPts val="0"/>
-              </a:spcBef>
-              <a:spcAft>
-                <a:spcPts val="0"/>
-              </a:spcAft>
-              <a:buSzPts val="12000"/>
-              <a:buNone/>
-              <a:defRPr sz="12000"/>
-            </a:lvl7pPr>
-            <a:lvl8pPr lvl="7" algn="ctr">
-              <a:spcBef>
-                <a:spcPts val="0"/>
-              </a:spcBef>
-              <a:spcAft>
-                <a:spcPts val="0"/>
-              </a:spcAft>
-              <a:buSzPts val="12000"/>
-              <a:buNone/>
-              <a:defRPr sz="12000"/>
-            </a:lvl8pPr>
-            <a:lvl9pPr lvl="8" algn="ctr">
-              <a:spcBef>
-                <a:spcPts val="0"/>
-              </a:spcBef>
-              <a:spcAft>
-                <a:spcPts val="0"/>
-              </a:spcAft>
-              <a:buSzPts val="12000"/>
-              <a:buNone/>
-              <a:defRPr sz="12000"/>
-            </a:lvl9pPr>
-          </a:lstStyle>
-          <a:p>
-            <a:r>
-              <a:t>xx%</a:t>
-            </a:r>
-          </a:p>
-        </p:txBody>
-      </p:sp>
-      <p:sp>
-        <p:nvSpPr>
-          <p:cNvPr id="46" name="Google Shape;46;p11"/>
-          <p:cNvSpPr txBox="1">
-            <a:spLocks noGrp="1"/>
-          </p:cNvSpPr>
-          <p:nvPr>
-            <p:ph type="body" idx="1"/>
-          </p:nvPr>
-        </p:nvSpPr>
-        <p:spPr>
-          <a:xfrm>
-            <a:off x="311700" y="3152225"/>
-            <a:ext cx="8520600" cy="1300800"/>
-          </a:xfrm>
-          <a:prstGeom prst="rect">
-            <a:avLst/>
-          </a:prstGeom>
-        </p:spPr>
-        <p:txBody>
-          <a:bodyPr spcFirstLastPara="1" wrap="square" lIns="91425" tIns="91425" rIns="91425" bIns="91425" anchor="t" anchorCtr="0">
-            <a:noAutofit/>
-          </a:bodyPr>
-          <a:lstStyle>
-            <a:lvl1pPr marL="457200" lvl="0" indent="-342900" algn="ctr">
-              <a:spcBef>
-                <a:spcPts val="0"/>
-              </a:spcBef>
-              <a:spcAft>
-                <a:spcPts val="0"/>
-              </a:spcAft>
-              <a:buSzPts val="1800"/>
-              <a:buChar char="●"/>
-              <a:defRPr/>
-            </a:lvl1pPr>
-            <a:lvl2pPr marL="914400" lvl="1" indent="-317500" algn="ctr">
-              <a:spcBef>
-                <a:spcPts val="1600"/>
-              </a:spcBef>
-              <a:spcAft>
-                <a:spcPts val="0"/>
-              </a:spcAft>
-              <a:buSzPts val="1400"/>
-              <a:buChar char="○"/>
-              <a:defRPr/>
-            </a:lvl2pPr>
-            <a:lvl3pPr marL="1371600" lvl="2" indent="-317500" algn="ctr">
-              <a:spcBef>
-                <a:spcPts val="1600"/>
-              </a:spcBef>
-              <a:spcAft>
-                <a:spcPts val="0"/>
-              </a:spcAft>
-              <a:buSzPts val="1400"/>
-              <a:buChar char="■"/>
-              <a:defRPr/>
-            </a:lvl3pPr>
-            <a:lvl4pPr marL="1828800" lvl="3" indent="-317500" algn="ctr">
-              <a:spcBef>
-                <a:spcPts val="1600"/>
-              </a:spcBef>
-              <a:spcAft>
-                <a:spcPts val="0"/>
-              </a:spcAft>
-              <a:buSzPts val="1400"/>
-              <a:buChar char="●"/>
-              <a:defRPr/>
-            </a:lvl4pPr>
-            <a:lvl5pPr marL="2286000" lvl="4" indent="-317500" algn="ctr">
-              <a:spcBef>
-                <a:spcPts val="1600"/>
-              </a:spcBef>
-              <a:spcAft>
-                <a:spcPts val="0"/>
-              </a:spcAft>
-              <a:buSzPts val="1400"/>
-              <a:buChar char="○"/>
-              <a:defRPr/>
-            </a:lvl5pPr>
-            <a:lvl6pPr marL="2743200" lvl="5" indent="-317500" algn="ctr">
-              <a:spcBef>
-                <a:spcPts val="1600"/>
-              </a:spcBef>
-              <a:spcAft>
-                <a:spcPts val="0"/>
-              </a:spcAft>
-              <a:buSzPts val="1400"/>
-              <a:buChar char="■"/>
-              <a:defRPr/>
-            </a:lvl6pPr>
-            <a:lvl7pPr marL="3200400" lvl="6" indent="-317500" algn="ctr">
-              <a:spcBef>
-                <a:spcPts val="1600"/>
-              </a:spcBef>
-              <a:spcAft>
-                <a:spcPts val="0"/>
-              </a:spcAft>
-              <a:buSzPts val="1400"/>
-              <a:buChar char="●"/>
-              <a:defRPr/>
-            </a:lvl7pPr>
-            <a:lvl8pPr marL="3657600" lvl="7" indent="-317500" algn="ctr">
-              <a:spcBef>
-                <a:spcPts val="1600"/>
-              </a:spcBef>
-              <a:spcAft>
-                <a:spcPts val="0"/>
-              </a:spcAft>
-              <a:buSzPts val="1400"/>
-              <a:buChar char="○"/>
-              <a:defRPr/>
-            </a:lvl8pPr>
-            <a:lvl9pPr marL="4114800" lvl="8" indent="-317500" algn="ctr">
-              <a:spcBef>
-                <a:spcPts val="1600"/>
-              </a:spcBef>
-              <a:spcAft>
-                <a:spcPts val="1600"/>
-              </a:spcAft>
-              <a:buSzPts val="1400"/>
-              <a:buChar char="■"/>
-              <a:defRPr/>
-            </a:lvl9pPr>
-          </a:lstStyle>
-          <a:p>
-            <a:endParaRPr/>
-          </a:p>
-        </p:txBody>
-      </p:sp>
-      <p:sp>
-        <p:nvSpPr>
-          <p:cNvPr id="47" name="Google Shape;47;p11"/>
-          <p:cNvSpPr txBox="1">
-            <a:spLocks noGrp="1"/>
-          </p:cNvSpPr>
-          <p:nvPr>
-            <p:ph type="sldNum" idx="12"/>
-          </p:nvPr>
-        </p:nvSpPr>
-        <p:spPr>
-          <a:xfrm>
-            <a:off x="8472458" y="4663217"/>
-            <a:ext cx="548700" cy="393600"/>
-          </a:xfrm>
-          <a:prstGeom prst="rect">
-            <a:avLst/>
-          </a:prstGeom>
-        </p:spPr>
-        <p:txBody>
-          <a:bodyPr spcFirstLastPara="1" wrap="square" lIns="91425" tIns="91425" rIns="91425" bIns="91425" anchor="ctr" anchorCtr="0">
-            <a:noAutofit/>
-          </a:bodyPr>
-          <a:lstStyle>
-            <a:lvl1pPr lvl="0">
-              <a:buNone/>
-              <a:defRPr/>
-            </a:lvl1pPr>
-            <a:lvl2pPr lvl="1">
-              <a:buNone/>
-              <a:defRPr/>
-            </a:lvl2pPr>
-            <a:lvl3pPr lvl="2">
-              <a:buNone/>
-              <a:defRPr/>
-            </a:lvl3pPr>
-            <a:lvl4pPr lvl="3">
-              <a:buNone/>
-              <a:defRPr/>
-            </a:lvl4pPr>
-            <a:lvl5pPr lvl="4">
-              <a:buNone/>
-              <a:defRPr/>
-            </a:lvl5pPr>
-            <a:lvl6pPr lvl="5">
-              <a:buNone/>
-              <a:defRPr/>
-            </a:lvl6pPr>
-            <a:lvl7pPr lvl="6">
-              <a:buNone/>
-              <a:defRPr/>
-            </a:lvl7pPr>
-            <a:lvl8pPr lvl="7">
-              <a:buNone/>
-              <a:defRPr/>
-            </a:lvl8pPr>
-            <a:lvl9pPr lvl="8">
-              <a:buNone/>
-              <a:defRPr/>
-            </a:lvl9pPr>
-          </a:lstStyle>
-          <a:p>
-            <a:pPr marL="0" lvl="0" indent="0" algn="r" rtl="0">
-              <a:spcBef>
-                <a:spcPts val="0"/>
-              </a:spcBef>
-              <a:spcAft>
-                <a:spcPts val="0"/>
-              </a:spcAft>
-              <a:buNone/>
-            </a:pPr>
-            <a:fld id="{00000000-1234-1234-1234-123412341234}" type="slidenum">
-              <a:rPr lang="en"/>
-              <a:t>‹#›</a:t>
-            </a:fld>
-            <a:endParaRPr/>
-          </a:p>
-        </p:txBody>
-      </p:sp>
-    </p:spTree>
-  </p:cSld>
-  <p:clrMapOvr>
-    <a:masterClrMapping/>
-  </p:clrMapOvr>
-</p:sldLayout>
-</file>
-
-<file path=ppt/slideLayouts/slideLayout11.xml><?xml version="1.0" encoding="utf-8"?>
 <p:sldLayout xmlns:a="http://schemas.openxmlformats.org/drawingml/2006/main" xmlns:r="http://schemas.openxmlformats.org/officeDocument/2006/relationships" xmlns:p="http://schemas.openxmlformats.org/presentationml/2006/main" matchingName="Blank" type="blank">
   <p:cSld name="BLANK">
     <p:spTree>
@@ -2026,368 +1557,6 @@
 </file>
 
 <file path=ppt/slideLayouts/slideLayout3.xml><?xml version="1.0" encoding="utf-8"?>
-<p:sldLayout xmlns:a="http://schemas.openxmlformats.org/drawingml/2006/main" xmlns:r="http://schemas.openxmlformats.org/officeDocument/2006/relationships" xmlns:p="http://schemas.openxmlformats.org/presentationml/2006/main" matchingName="Title and body" type="tx">
-  <p:cSld name="TITLE_AND_BODY">
-    <p:spTree>
-      <p:nvGrpSpPr>
-        <p:cNvPr id="1" name="Shape 16"/>
-        <p:cNvGrpSpPr/>
-        <p:nvPr/>
-      </p:nvGrpSpPr>
-      <p:grpSpPr>
-        <a:xfrm>
-          <a:off x="0" y="0"/>
-          <a:ext cx="0" cy="0"/>
-          <a:chOff x="0" y="0"/>
-          <a:chExt cx="0" cy="0"/>
-        </a:xfrm>
-      </p:grpSpPr>
-      <p:sp>
-        <p:nvSpPr>
-          <p:cNvPr id="17" name="Google Shape;17;p4"/>
-          <p:cNvSpPr txBox="1">
-            <a:spLocks noGrp="1"/>
-          </p:cNvSpPr>
-          <p:nvPr>
-            <p:ph type="title"/>
-          </p:nvPr>
-        </p:nvSpPr>
-        <p:spPr>
-          <a:xfrm>
-            <a:off x="311700" y="445025"/>
-            <a:ext cx="8520600" cy="572700"/>
-          </a:xfrm>
-          <a:prstGeom prst="rect">
-            <a:avLst/>
-          </a:prstGeom>
-        </p:spPr>
-        <p:txBody>
-          <a:bodyPr spcFirstLastPara="1" wrap="square" lIns="91425" tIns="91425" rIns="91425" bIns="91425" anchor="t" anchorCtr="0">
-            <a:noAutofit/>
-          </a:bodyPr>
-          <a:lstStyle>
-            <a:lvl1pPr lvl="0">
-              <a:spcBef>
-                <a:spcPts val="0"/>
-              </a:spcBef>
-              <a:spcAft>
-                <a:spcPts val="0"/>
-              </a:spcAft>
-              <a:buSzPts val="2800"/>
-              <a:buNone/>
-              <a:defRPr/>
-            </a:lvl1pPr>
-            <a:lvl2pPr lvl="1">
-              <a:spcBef>
-                <a:spcPts val="0"/>
-              </a:spcBef>
-              <a:spcAft>
-                <a:spcPts val="0"/>
-              </a:spcAft>
-              <a:buSzPts val="2800"/>
-              <a:buNone/>
-              <a:defRPr/>
-            </a:lvl2pPr>
-            <a:lvl3pPr lvl="2">
-              <a:spcBef>
-                <a:spcPts val="0"/>
-              </a:spcBef>
-              <a:spcAft>
-                <a:spcPts val="0"/>
-              </a:spcAft>
-              <a:buSzPts val="2800"/>
-              <a:buNone/>
-              <a:defRPr/>
-            </a:lvl3pPr>
-            <a:lvl4pPr lvl="3">
-              <a:spcBef>
-                <a:spcPts val="0"/>
-              </a:spcBef>
-              <a:spcAft>
-                <a:spcPts val="0"/>
-              </a:spcAft>
-              <a:buSzPts val="2800"/>
-              <a:buNone/>
-              <a:defRPr/>
-            </a:lvl4pPr>
-            <a:lvl5pPr lvl="4">
-              <a:spcBef>
-                <a:spcPts val="0"/>
-              </a:spcBef>
-              <a:spcAft>
-                <a:spcPts val="0"/>
-              </a:spcAft>
-              <a:buSzPts val="2800"/>
-              <a:buNone/>
-              <a:defRPr/>
-            </a:lvl5pPr>
-            <a:lvl6pPr lvl="5">
-              <a:spcBef>
-                <a:spcPts val="0"/>
-              </a:spcBef>
-              <a:spcAft>
-                <a:spcPts val="0"/>
-              </a:spcAft>
-              <a:buSzPts val="2800"/>
-              <a:buNone/>
-              <a:defRPr/>
-            </a:lvl6pPr>
-            <a:lvl7pPr lvl="6">
-              <a:spcBef>
-                <a:spcPts val="0"/>
-              </a:spcBef>
-              <a:spcAft>
-                <a:spcPts val="0"/>
-              </a:spcAft>
-              <a:buSzPts val="2800"/>
-              <a:buNone/>
-              <a:defRPr/>
-            </a:lvl7pPr>
-            <a:lvl8pPr lvl="7">
-              <a:spcBef>
-                <a:spcPts val="0"/>
-              </a:spcBef>
-              <a:spcAft>
-                <a:spcPts val="0"/>
-              </a:spcAft>
-              <a:buSzPts val="2800"/>
-              <a:buNone/>
-              <a:defRPr/>
-            </a:lvl8pPr>
-            <a:lvl9pPr lvl="8">
-              <a:spcBef>
-                <a:spcPts val="0"/>
-              </a:spcBef>
-              <a:spcAft>
-                <a:spcPts val="0"/>
-              </a:spcAft>
-              <a:buSzPts val="2800"/>
-              <a:buNone/>
-              <a:defRPr/>
-            </a:lvl9pPr>
-          </a:lstStyle>
-          <a:p>
-            <a:endParaRPr/>
-          </a:p>
-        </p:txBody>
-      </p:sp>
-      <p:sp>
-        <p:nvSpPr>
-          <p:cNvPr id="18" name="Google Shape;18;p4"/>
-          <p:cNvSpPr txBox="1">
-            <a:spLocks noGrp="1"/>
-          </p:cNvSpPr>
-          <p:nvPr>
-            <p:ph type="body" idx="1"/>
-          </p:nvPr>
-        </p:nvSpPr>
-        <p:spPr>
-          <a:xfrm>
-            <a:off x="311700" y="1152475"/>
-            <a:ext cx="8520600" cy="3416400"/>
-          </a:xfrm>
-          <a:prstGeom prst="rect">
-            <a:avLst/>
-          </a:prstGeom>
-        </p:spPr>
-        <p:txBody>
-          <a:bodyPr spcFirstLastPara="1" wrap="square" lIns="91425" tIns="91425" rIns="91425" bIns="91425" anchor="t" anchorCtr="0">
-            <a:noAutofit/>
-          </a:bodyPr>
-          <a:lstStyle>
-            <a:lvl1pPr marL="457200" lvl="0" indent="-342900">
-              <a:spcBef>
-                <a:spcPts val="0"/>
-              </a:spcBef>
-              <a:spcAft>
-                <a:spcPts val="0"/>
-              </a:spcAft>
-              <a:buSzPts val="1800"/>
-              <a:buChar char="●"/>
-              <a:defRPr/>
-            </a:lvl1pPr>
-            <a:lvl2pPr marL="914400" lvl="1" indent="-317500">
-              <a:spcBef>
-                <a:spcPts val="1600"/>
-              </a:spcBef>
-              <a:spcAft>
-                <a:spcPts val="0"/>
-              </a:spcAft>
-              <a:buSzPts val="1400"/>
-              <a:buChar char="○"/>
-              <a:defRPr/>
-            </a:lvl2pPr>
-            <a:lvl3pPr marL="1371600" lvl="2" indent="-317500">
-              <a:spcBef>
-                <a:spcPts val="1600"/>
-              </a:spcBef>
-              <a:spcAft>
-                <a:spcPts val="0"/>
-              </a:spcAft>
-              <a:buSzPts val="1400"/>
-              <a:buChar char="■"/>
-              <a:defRPr/>
-            </a:lvl3pPr>
-            <a:lvl4pPr marL="1828800" lvl="3" indent="-317500">
-              <a:spcBef>
-                <a:spcPts val="1600"/>
-              </a:spcBef>
-              <a:spcAft>
-                <a:spcPts val="0"/>
-              </a:spcAft>
-              <a:buSzPts val="1400"/>
-              <a:buChar char="●"/>
-              <a:defRPr/>
-            </a:lvl4pPr>
-            <a:lvl5pPr marL="2286000" lvl="4" indent="-317500">
-              <a:spcBef>
-                <a:spcPts val="1600"/>
-              </a:spcBef>
-              <a:spcAft>
-                <a:spcPts val="0"/>
-              </a:spcAft>
-              <a:buSzPts val="1400"/>
-              <a:buChar char="○"/>
-              <a:defRPr/>
-            </a:lvl5pPr>
-            <a:lvl6pPr marL="2743200" lvl="5" indent="-317500">
-              <a:spcBef>
-                <a:spcPts val="1600"/>
-              </a:spcBef>
-              <a:spcAft>
-                <a:spcPts val="0"/>
-              </a:spcAft>
-              <a:buSzPts val="1400"/>
-              <a:buChar char="■"/>
-              <a:defRPr/>
-            </a:lvl6pPr>
-            <a:lvl7pPr marL="3200400" lvl="6" indent="-317500">
-              <a:spcBef>
-                <a:spcPts val="1600"/>
-              </a:spcBef>
-              <a:spcAft>
-                <a:spcPts val="0"/>
-              </a:spcAft>
-              <a:buSzPts val="1400"/>
-              <a:buChar char="●"/>
-              <a:defRPr/>
-            </a:lvl7pPr>
-            <a:lvl8pPr marL="3657600" lvl="7" indent="-317500">
-              <a:spcBef>
-                <a:spcPts val="1600"/>
-              </a:spcBef>
-              <a:spcAft>
-                <a:spcPts val="0"/>
-              </a:spcAft>
-              <a:buSzPts val="1400"/>
-              <a:buChar char="○"/>
-              <a:defRPr/>
-            </a:lvl8pPr>
-            <a:lvl9pPr marL="4114800" lvl="8" indent="-317500">
-              <a:spcBef>
-                <a:spcPts val="1600"/>
-              </a:spcBef>
-              <a:spcAft>
-                <a:spcPts val="1600"/>
-              </a:spcAft>
-              <a:buSzPts val="1400"/>
-              <a:buChar char="■"/>
-              <a:defRPr/>
-            </a:lvl9pPr>
-          </a:lstStyle>
-          <a:p>
-            <a:endParaRPr/>
-          </a:p>
-        </p:txBody>
-      </p:sp>
-      <p:sp>
-        <p:nvSpPr>
-          <p:cNvPr id="19" name="Google Shape;19;p4"/>
-          <p:cNvSpPr txBox="1">
-            <a:spLocks noGrp="1"/>
-          </p:cNvSpPr>
-          <p:nvPr>
-            <p:ph type="sldNum" idx="12"/>
-          </p:nvPr>
-        </p:nvSpPr>
-        <p:spPr>
-          <a:xfrm>
-            <a:off x="8472458" y="4663217"/>
-            <a:ext cx="548700" cy="393600"/>
-          </a:xfrm>
-          <a:prstGeom prst="rect">
-            <a:avLst/>
-          </a:prstGeom>
-        </p:spPr>
-        <p:txBody>
-          <a:bodyPr spcFirstLastPara="1" wrap="square" lIns="91425" tIns="91425" rIns="91425" bIns="91425" anchor="ctr" anchorCtr="0">
-            <a:noAutofit/>
-          </a:bodyPr>
-          <a:lstStyle>
-            <a:lvl1pPr lvl="0">
-              <a:buNone/>
-              <a:defRPr/>
-            </a:lvl1pPr>
-            <a:lvl2pPr lvl="1">
-              <a:buNone/>
-              <a:defRPr/>
-            </a:lvl2pPr>
-            <a:lvl3pPr lvl="2">
-              <a:buNone/>
-              <a:defRPr/>
-            </a:lvl3pPr>
-            <a:lvl4pPr lvl="3">
-              <a:buNone/>
-              <a:defRPr/>
-            </a:lvl4pPr>
-            <a:lvl5pPr lvl="4">
-              <a:buNone/>
-              <a:defRPr/>
-            </a:lvl5pPr>
-            <a:lvl6pPr lvl="5">
-              <a:buNone/>
-              <a:defRPr/>
-            </a:lvl6pPr>
-            <a:lvl7pPr lvl="6">
-              <a:buNone/>
-              <a:defRPr/>
-            </a:lvl7pPr>
-            <a:lvl8pPr lvl="7">
-              <a:buNone/>
-              <a:defRPr/>
-            </a:lvl8pPr>
-            <a:lvl9pPr lvl="8">
-              <a:buNone/>
-              <a:defRPr/>
-            </a:lvl9pPr>
-          </a:lstStyle>
-          <a:p>
-            <a:pPr marL="0" lvl="0" indent="0" algn="r" rtl="0">
-              <a:spcBef>
-                <a:spcPts val="0"/>
-              </a:spcBef>
-              <a:spcAft>
-                <a:spcPts val="0"/>
-              </a:spcAft>
-              <a:buNone/>
-            </a:pPr>
-            <a:fld id="{00000000-1234-1234-1234-123412341234}" type="slidenum">
-              <a:rPr lang="en"/>
-              <a:t>‹#›</a:t>
-            </a:fld>
-            <a:endParaRPr/>
-          </a:p>
-        </p:txBody>
-      </p:sp>
-    </p:spTree>
-  </p:cSld>
-  <p:clrMapOvr>
-    <a:masterClrMapping/>
-  </p:clrMapOvr>
-</p:sldLayout>
-</file>
-
-<file path=ppt/slideLayouts/slideLayout4.xml><?xml version="1.0" encoding="utf-8"?>
 <p:sldLayout xmlns:a="http://schemas.openxmlformats.org/drawingml/2006/main" xmlns:r="http://schemas.openxmlformats.org/officeDocument/2006/relationships" xmlns:p="http://schemas.openxmlformats.org/presentationml/2006/main" matchingName="Title and two columns" type="twoColTx">
   <p:cSld name="TITLE_AND_TWO_COLUMNS">
     <p:spTree>
@@ -2878,7 +2047,7 @@
 </p:sldLayout>
 </file>
 
-<file path=ppt/slideLayouts/slideLayout5.xml><?xml version="1.0" encoding="utf-8"?>
+<file path=ppt/slideLayouts/slideLayout4.xml><?xml version="1.0" encoding="utf-8"?>
 <p:sldLayout xmlns:a="http://schemas.openxmlformats.org/drawingml/2006/main" xmlns:r="http://schemas.openxmlformats.org/officeDocument/2006/relationships" xmlns:p="http://schemas.openxmlformats.org/presentationml/2006/main" matchingName="Title only" type="titleOnly">
   <p:cSld name="TITLE_ONLY">
     <p:spTree>
@@ -3111,7 +2280,7 @@
 </p:sldLayout>
 </file>
 
-<file path=ppt/slideLayouts/slideLayout6.xml><?xml version="1.0" encoding="utf-8"?>
+<file path=ppt/slideLayouts/slideLayout5.xml><?xml version="1.0" encoding="utf-8"?>
 <p:sldLayout xmlns:a="http://schemas.openxmlformats.org/drawingml/2006/main" xmlns:r="http://schemas.openxmlformats.org/officeDocument/2006/relationships" xmlns:p="http://schemas.openxmlformats.org/presentationml/2006/main" matchingName="One column text">
   <p:cSld name="ONE_COLUMN_TEXT">
     <p:spTree>
@@ -3473,7 +2642,7 @@
 </p:sldLayout>
 </file>
 
-<file path=ppt/slideLayouts/slideLayout7.xml><?xml version="1.0" encoding="utf-8"?>
+<file path=ppt/slideLayouts/slideLayout6.xml><?xml version="1.0" encoding="utf-8"?>
 <p:sldLayout xmlns:a="http://schemas.openxmlformats.org/drawingml/2006/main" xmlns:r="http://schemas.openxmlformats.org/officeDocument/2006/relationships" xmlns:p="http://schemas.openxmlformats.org/presentationml/2006/main" matchingName="Main point">
   <p:cSld name="MAIN_POINT">
     <p:spTree>
@@ -3706,7 +2875,7 @@
 </p:sldLayout>
 </file>
 
-<file path=ppt/slideLayouts/slideLayout8.xml><?xml version="1.0" encoding="utf-8"?>
+<file path=ppt/slideLayouts/slideLayout7.xml><?xml version="1.0" encoding="utf-8"?>
 <p:sldLayout xmlns:a="http://schemas.openxmlformats.org/drawingml/2006/main" xmlns:r="http://schemas.openxmlformats.org/officeDocument/2006/relationships" xmlns:p="http://schemas.openxmlformats.org/presentationml/2006/main" matchingName="Section title and description">
   <p:cSld name="SECTION_TITLE_AND_DESCRIPTION">
     <p:spTree>
@@ -4264,7 +3433,7 @@
 </p:sldLayout>
 </file>
 
-<file path=ppt/slideLayouts/slideLayout9.xml><?xml version="1.0" encoding="utf-8"?>
+<file path=ppt/slideLayouts/slideLayout8.xml><?xml version="1.0" encoding="utf-8"?>
 <p:sldLayout xmlns:a="http://schemas.openxmlformats.org/drawingml/2006/main" xmlns:r="http://schemas.openxmlformats.org/officeDocument/2006/relationships" xmlns:p="http://schemas.openxmlformats.org/presentationml/2006/main" matchingName="Caption">
   <p:cSld name="CAPTION_ONLY">
     <p:spTree>
@@ -4328,6 +3497,370 @@
       <p:sp>
         <p:nvSpPr>
           <p:cNvPr id="43" name="Google Shape;43;p10"/>
+          <p:cNvSpPr txBox="1">
+            <a:spLocks noGrp="1"/>
+          </p:cNvSpPr>
+          <p:nvPr>
+            <p:ph type="sldNum" idx="12"/>
+          </p:nvPr>
+        </p:nvSpPr>
+        <p:spPr>
+          <a:xfrm>
+            <a:off x="8472458" y="4663217"/>
+            <a:ext cx="548700" cy="393600"/>
+          </a:xfrm>
+          <a:prstGeom prst="rect">
+            <a:avLst/>
+          </a:prstGeom>
+        </p:spPr>
+        <p:txBody>
+          <a:bodyPr spcFirstLastPara="1" wrap="square" lIns="91425" tIns="91425" rIns="91425" bIns="91425" anchor="ctr" anchorCtr="0">
+            <a:noAutofit/>
+          </a:bodyPr>
+          <a:lstStyle>
+            <a:lvl1pPr lvl="0">
+              <a:buNone/>
+              <a:defRPr/>
+            </a:lvl1pPr>
+            <a:lvl2pPr lvl="1">
+              <a:buNone/>
+              <a:defRPr/>
+            </a:lvl2pPr>
+            <a:lvl3pPr lvl="2">
+              <a:buNone/>
+              <a:defRPr/>
+            </a:lvl3pPr>
+            <a:lvl4pPr lvl="3">
+              <a:buNone/>
+              <a:defRPr/>
+            </a:lvl4pPr>
+            <a:lvl5pPr lvl="4">
+              <a:buNone/>
+              <a:defRPr/>
+            </a:lvl5pPr>
+            <a:lvl6pPr lvl="5">
+              <a:buNone/>
+              <a:defRPr/>
+            </a:lvl6pPr>
+            <a:lvl7pPr lvl="6">
+              <a:buNone/>
+              <a:defRPr/>
+            </a:lvl7pPr>
+            <a:lvl8pPr lvl="7">
+              <a:buNone/>
+              <a:defRPr/>
+            </a:lvl8pPr>
+            <a:lvl9pPr lvl="8">
+              <a:buNone/>
+              <a:defRPr/>
+            </a:lvl9pPr>
+          </a:lstStyle>
+          <a:p>
+            <a:pPr marL="0" lvl="0" indent="0" algn="r" rtl="0">
+              <a:spcBef>
+                <a:spcPts val="0"/>
+              </a:spcBef>
+              <a:spcAft>
+                <a:spcPts val="0"/>
+              </a:spcAft>
+              <a:buNone/>
+            </a:pPr>
+            <a:fld id="{00000000-1234-1234-1234-123412341234}" type="slidenum">
+              <a:rPr lang="en"/>
+              <a:t>‹#›</a:t>
+            </a:fld>
+            <a:endParaRPr/>
+          </a:p>
+        </p:txBody>
+      </p:sp>
+    </p:spTree>
+  </p:cSld>
+  <p:clrMapOvr>
+    <a:masterClrMapping/>
+  </p:clrMapOvr>
+</p:sldLayout>
+</file>
+
+<file path=ppt/slideLayouts/slideLayout9.xml><?xml version="1.0" encoding="utf-8"?>
+<p:sldLayout xmlns:a="http://schemas.openxmlformats.org/drawingml/2006/main" xmlns:r="http://schemas.openxmlformats.org/officeDocument/2006/relationships" xmlns:p="http://schemas.openxmlformats.org/presentationml/2006/main" matchingName="Big number">
+  <p:cSld name="BIG_NUMBER">
+    <p:spTree>
+      <p:nvGrpSpPr>
+        <p:cNvPr id="1" name="Shape 44"/>
+        <p:cNvGrpSpPr/>
+        <p:nvPr/>
+      </p:nvGrpSpPr>
+      <p:grpSpPr>
+        <a:xfrm>
+          <a:off x="0" y="0"/>
+          <a:ext cx="0" cy="0"/>
+          <a:chOff x="0" y="0"/>
+          <a:chExt cx="0" cy="0"/>
+        </a:xfrm>
+      </p:grpSpPr>
+      <p:sp>
+        <p:nvSpPr>
+          <p:cNvPr id="45" name="Google Shape;45;p11"/>
+          <p:cNvSpPr txBox="1">
+            <a:spLocks noGrp="1"/>
+          </p:cNvSpPr>
+          <p:nvPr>
+            <p:ph type="title" hasCustomPrompt="1"/>
+          </p:nvPr>
+        </p:nvSpPr>
+        <p:spPr>
+          <a:xfrm>
+            <a:off x="311700" y="1106125"/>
+            <a:ext cx="8520600" cy="1963500"/>
+          </a:xfrm>
+          <a:prstGeom prst="rect">
+            <a:avLst/>
+          </a:prstGeom>
+        </p:spPr>
+        <p:txBody>
+          <a:bodyPr spcFirstLastPara="1" wrap="square" lIns="91425" tIns="91425" rIns="91425" bIns="91425" anchor="b" anchorCtr="0">
+            <a:noAutofit/>
+          </a:bodyPr>
+          <a:lstStyle>
+            <a:lvl1pPr lvl="0" algn="ctr">
+              <a:spcBef>
+                <a:spcPts val="0"/>
+              </a:spcBef>
+              <a:spcAft>
+                <a:spcPts val="0"/>
+              </a:spcAft>
+              <a:buSzPts val="12000"/>
+              <a:buNone/>
+              <a:defRPr sz="12000"/>
+            </a:lvl1pPr>
+            <a:lvl2pPr lvl="1" algn="ctr">
+              <a:spcBef>
+                <a:spcPts val="0"/>
+              </a:spcBef>
+              <a:spcAft>
+                <a:spcPts val="0"/>
+              </a:spcAft>
+              <a:buSzPts val="12000"/>
+              <a:buNone/>
+              <a:defRPr sz="12000"/>
+            </a:lvl2pPr>
+            <a:lvl3pPr lvl="2" algn="ctr">
+              <a:spcBef>
+                <a:spcPts val="0"/>
+              </a:spcBef>
+              <a:spcAft>
+                <a:spcPts val="0"/>
+              </a:spcAft>
+              <a:buSzPts val="12000"/>
+              <a:buNone/>
+              <a:defRPr sz="12000"/>
+            </a:lvl3pPr>
+            <a:lvl4pPr lvl="3" algn="ctr">
+              <a:spcBef>
+                <a:spcPts val="0"/>
+              </a:spcBef>
+              <a:spcAft>
+                <a:spcPts val="0"/>
+              </a:spcAft>
+              <a:buSzPts val="12000"/>
+              <a:buNone/>
+              <a:defRPr sz="12000"/>
+            </a:lvl4pPr>
+            <a:lvl5pPr lvl="4" algn="ctr">
+              <a:spcBef>
+                <a:spcPts val="0"/>
+              </a:spcBef>
+              <a:spcAft>
+                <a:spcPts val="0"/>
+              </a:spcAft>
+              <a:buSzPts val="12000"/>
+              <a:buNone/>
+              <a:defRPr sz="12000"/>
+            </a:lvl5pPr>
+            <a:lvl6pPr lvl="5" algn="ctr">
+              <a:spcBef>
+                <a:spcPts val="0"/>
+              </a:spcBef>
+              <a:spcAft>
+                <a:spcPts val="0"/>
+              </a:spcAft>
+              <a:buSzPts val="12000"/>
+              <a:buNone/>
+              <a:defRPr sz="12000"/>
+            </a:lvl6pPr>
+            <a:lvl7pPr lvl="6" algn="ctr">
+              <a:spcBef>
+                <a:spcPts val="0"/>
+              </a:spcBef>
+              <a:spcAft>
+                <a:spcPts val="0"/>
+              </a:spcAft>
+              <a:buSzPts val="12000"/>
+              <a:buNone/>
+              <a:defRPr sz="12000"/>
+            </a:lvl7pPr>
+            <a:lvl8pPr lvl="7" algn="ctr">
+              <a:spcBef>
+                <a:spcPts val="0"/>
+              </a:spcBef>
+              <a:spcAft>
+                <a:spcPts val="0"/>
+              </a:spcAft>
+              <a:buSzPts val="12000"/>
+              <a:buNone/>
+              <a:defRPr sz="12000"/>
+            </a:lvl8pPr>
+            <a:lvl9pPr lvl="8" algn="ctr">
+              <a:spcBef>
+                <a:spcPts val="0"/>
+              </a:spcBef>
+              <a:spcAft>
+                <a:spcPts val="0"/>
+              </a:spcAft>
+              <a:buSzPts val="12000"/>
+              <a:buNone/>
+              <a:defRPr sz="12000"/>
+            </a:lvl9pPr>
+          </a:lstStyle>
+          <a:p>
+            <a:r>
+              <a:t>xx%</a:t>
+            </a:r>
+          </a:p>
+        </p:txBody>
+      </p:sp>
+      <p:sp>
+        <p:nvSpPr>
+          <p:cNvPr id="46" name="Google Shape;46;p11"/>
+          <p:cNvSpPr txBox="1">
+            <a:spLocks noGrp="1"/>
+          </p:cNvSpPr>
+          <p:nvPr>
+            <p:ph type="body" idx="1"/>
+          </p:nvPr>
+        </p:nvSpPr>
+        <p:spPr>
+          <a:xfrm>
+            <a:off x="311700" y="3152225"/>
+            <a:ext cx="8520600" cy="1300800"/>
+          </a:xfrm>
+          <a:prstGeom prst="rect">
+            <a:avLst/>
+          </a:prstGeom>
+        </p:spPr>
+        <p:txBody>
+          <a:bodyPr spcFirstLastPara="1" wrap="square" lIns="91425" tIns="91425" rIns="91425" bIns="91425" anchor="t" anchorCtr="0">
+            <a:noAutofit/>
+          </a:bodyPr>
+          <a:lstStyle>
+            <a:lvl1pPr marL="457200" lvl="0" indent="-342900" algn="ctr">
+              <a:spcBef>
+                <a:spcPts val="0"/>
+              </a:spcBef>
+              <a:spcAft>
+                <a:spcPts val="0"/>
+              </a:spcAft>
+              <a:buSzPts val="1800"/>
+              <a:buChar char="●"/>
+              <a:defRPr/>
+            </a:lvl1pPr>
+            <a:lvl2pPr marL="914400" lvl="1" indent="-317500" algn="ctr">
+              <a:spcBef>
+                <a:spcPts val="1600"/>
+              </a:spcBef>
+              <a:spcAft>
+                <a:spcPts val="0"/>
+              </a:spcAft>
+              <a:buSzPts val="1400"/>
+              <a:buChar char="○"/>
+              <a:defRPr/>
+            </a:lvl2pPr>
+            <a:lvl3pPr marL="1371600" lvl="2" indent="-317500" algn="ctr">
+              <a:spcBef>
+                <a:spcPts val="1600"/>
+              </a:spcBef>
+              <a:spcAft>
+                <a:spcPts val="0"/>
+              </a:spcAft>
+              <a:buSzPts val="1400"/>
+              <a:buChar char="■"/>
+              <a:defRPr/>
+            </a:lvl3pPr>
+            <a:lvl4pPr marL="1828800" lvl="3" indent="-317500" algn="ctr">
+              <a:spcBef>
+                <a:spcPts val="1600"/>
+              </a:spcBef>
+              <a:spcAft>
+                <a:spcPts val="0"/>
+              </a:spcAft>
+              <a:buSzPts val="1400"/>
+              <a:buChar char="●"/>
+              <a:defRPr/>
+            </a:lvl4pPr>
+            <a:lvl5pPr marL="2286000" lvl="4" indent="-317500" algn="ctr">
+              <a:spcBef>
+                <a:spcPts val="1600"/>
+              </a:spcBef>
+              <a:spcAft>
+                <a:spcPts val="0"/>
+              </a:spcAft>
+              <a:buSzPts val="1400"/>
+              <a:buChar char="○"/>
+              <a:defRPr/>
+            </a:lvl5pPr>
+            <a:lvl6pPr marL="2743200" lvl="5" indent="-317500" algn="ctr">
+              <a:spcBef>
+                <a:spcPts val="1600"/>
+              </a:spcBef>
+              <a:spcAft>
+                <a:spcPts val="0"/>
+              </a:spcAft>
+              <a:buSzPts val="1400"/>
+              <a:buChar char="■"/>
+              <a:defRPr/>
+            </a:lvl6pPr>
+            <a:lvl7pPr marL="3200400" lvl="6" indent="-317500" algn="ctr">
+              <a:spcBef>
+                <a:spcPts val="1600"/>
+              </a:spcBef>
+              <a:spcAft>
+                <a:spcPts val="0"/>
+              </a:spcAft>
+              <a:buSzPts val="1400"/>
+              <a:buChar char="●"/>
+              <a:defRPr/>
+            </a:lvl7pPr>
+            <a:lvl8pPr marL="3657600" lvl="7" indent="-317500" algn="ctr">
+              <a:spcBef>
+                <a:spcPts val="1600"/>
+              </a:spcBef>
+              <a:spcAft>
+                <a:spcPts val="0"/>
+              </a:spcAft>
+              <a:buSzPts val="1400"/>
+              <a:buChar char="○"/>
+              <a:defRPr/>
+            </a:lvl8pPr>
+            <a:lvl9pPr marL="4114800" lvl="8" indent="-317500" algn="ctr">
+              <a:spcBef>
+                <a:spcPts val="1600"/>
+              </a:spcBef>
+              <a:spcAft>
+                <a:spcPts val="1600"/>
+              </a:spcAft>
+              <a:buSzPts val="1400"/>
+              <a:buChar char="■"/>
+              <a:defRPr/>
+            </a:lvl9pPr>
+          </a:lstStyle>
+          <a:p>
+            <a:endParaRPr/>
+          </a:p>
+        </p:txBody>
+      </p:sp>
+      <p:sp>
+        <p:nvSpPr>
+          <p:cNvPr id="47" name="Google Shape;47;p11"/>
           <p:cNvSpPr txBox="1">
             <a:spLocks noGrp="1"/>
           </p:cNvSpPr>
@@ -4981,15 +4514,14 @@
   <p:sldLayoutIdLst>
     <p:sldLayoutId id="2147483648" r:id="rId1"/>
     <p:sldLayoutId id="2147483649" r:id="rId2"/>
-    <p:sldLayoutId id="2147483650" r:id="rId3"/>
-    <p:sldLayoutId id="2147483651" r:id="rId4"/>
-    <p:sldLayoutId id="2147483652" r:id="rId5"/>
-    <p:sldLayoutId id="2147483653" r:id="rId6"/>
-    <p:sldLayoutId id="2147483654" r:id="rId7"/>
-    <p:sldLayoutId id="2147483655" r:id="rId8"/>
-    <p:sldLayoutId id="2147483656" r:id="rId9"/>
-    <p:sldLayoutId id="2147483657" r:id="rId10"/>
-    <p:sldLayoutId id="2147483658" r:id="rId11"/>
+    <p:sldLayoutId id="2147483651" r:id="rId3"/>
+    <p:sldLayoutId id="2147483652" r:id="rId4"/>
+    <p:sldLayoutId id="2147483653" r:id="rId5"/>
+    <p:sldLayoutId id="2147483654" r:id="rId6"/>
+    <p:sldLayoutId id="2147483655" r:id="rId7"/>
+    <p:sldLayoutId id="2147483656" r:id="rId8"/>
+    <p:sldLayoutId id="2147483657" r:id="rId9"/>
+    <p:sldLayoutId id="2147483658" r:id="rId10"/>
   </p:sldLayoutIdLst>
   <p:hf sldNum="0" hdr="0" ftr="0" dt="0"/>
   <p:txStyles>
@@ -6139,7 +5671,7 @@
               <a:buNone/>
             </a:pPr>
             <a:r>
-              <a:rPr lang="nl-NL" sz="1200" dirty="0">
+              <a:rPr lang="nl-NL" sz="1000" dirty="0">
                 <a:solidFill>
                   <a:srgbClr val="4A86E8"/>
                 </a:solidFill>
@@ -6151,7 +5683,7 @@
               <a:t>Make </a:t>
             </a:r>
             <a:r>
-              <a:rPr lang="nl-NL" sz="1200" dirty="0" err="1">
+              <a:rPr lang="nl-NL" sz="1000" dirty="0" err="1">
                 <a:solidFill>
                   <a:srgbClr val="4A86E8"/>
                 </a:solidFill>
@@ -6163,7 +5695,7 @@
               <a:t>an</a:t>
             </a:r>
             <a:r>
-              <a:rPr lang="nl-NL" sz="1200" dirty="0">
+              <a:rPr lang="nl-NL" sz="1000" dirty="0">
                 <a:solidFill>
                   <a:srgbClr val="4A86E8"/>
                 </a:solidFill>
@@ -6175,7 +5707,7 @@
               <a:t> </a:t>
             </a:r>
             <a:r>
-              <a:rPr lang="nl-NL" sz="1200" dirty="0" err="1">
+              <a:rPr lang="nl-NL" sz="1000" dirty="0" err="1">
                 <a:solidFill>
                   <a:srgbClr val="4A86E8"/>
                 </a:solidFill>
@@ -6187,7 +5719,7 @@
               <a:t>intuitive</a:t>
             </a:r>
             <a:r>
-              <a:rPr lang="nl-NL" sz="1200" dirty="0">
+              <a:rPr lang="nl-NL" sz="1000" dirty="0">
                 <a:solidFill>
                   <a:srgbClr val="4A86E8"/>
                 </a:solidFill>
@@ -6199,7 +5731,7 @@
               <a:t> UI </a:t>
             </a:r>
             <a:r>
-              <a:rPr lang="nl-NL" sz="1200" dirty="0" err="1">
+              <a:rPr lang="nl-NL" sz="1000" dirty="0" err="1">
                 <a:solidFill>
                   <a:srgbClr val="4A86E8"/>
                 </a:solidFill>
@@ -6211,7 +5743,7 @@
               <a:t>that</a:t>
             </a:r>
             <a:r>
-              <a:rPr lang="nl-NL" sz="1200" dirty="0">
+              <a:rPr lang="nl-NL" sz="1000" dirty="0">
                 <a:solidFill>
                   <a:srgbClr val="4A86E8"/>
                 </a:solidFill>
@@ -6223,7 +5755,7 @@
               <a:t> shows </a:t>
             </a:r>
             <a:r>
-              <a:rPr lang="nl-NL" sz="1200" dirty="0" err="1">
+              <a:rPr lang="nl-NL" sz="1000" dirty="0" err="1">
                 <a:solidFill>
                   <a:srgbClr val="4A86E8"/>
                 </a:solidFill>
@@ -6235,7 +5767,7 @@
               <a:t>the</a:t>
             </a:r>
             <a:r>
-              <a:rPr lang="nl-NL" sz="1200" dirty="0">
+              <a:rPr lang="nl-NL" sz="1000" dirty="0">
                 <a:solidFill>
                   <a:srgbClr val="4A86E8"/>
                 </a:solidFill>
@@ -6247,7 +5779,7 @@
               <a:t> </a:t>
             </a:r>
             <a:r>
-              <a:rPr lang="nl-NL" sz="1200" dirty="0" err="1">
+              <a:rPr lang="nl-NL" sz="1000" dirty="0" err="1">
                 <a:solidFill>
                   <a:srgbClr val="4A86E8"/>
                 </a:solidFill>
@@ -6259,7 +5791,7 @@
               <a:t>current</a:t>
             </a:r>
             <a:r>
-              <a:rPr lang="nl-NL" sz="1200" dirty="0">
+              <a:rPr lang="nl-NL" sz="1000" dirty="0">
                 <a:solidFill>
                   <a:srgbClr val="4A86E8"/>
                 </a:solidFill>
@@ -6271,7 +5803,7 @@
               <a:t> sensor </a:t>
             </a:r>
             <a:r>
-              <a:rPr lang="nl-NL" sz="1200" dirty="0" err="1">
+              <a:rPr lang="nl-NL" sz="1000" dirty="0" err="1">
                 <a:solidFill>
                   <a:srgbClr val="4A86E8"/>
                 </a:solidFill>
@@ -6283,7 +5815,7 @@
               <a:t>values</a:t>
             </a:r>
             <a:r>
-              <a:rPr lang="nl-NL" sz="1200" dirty="0">
+              <a:rPr lang="nl-NL" sz="1000" dirty="0">
                 <a:solidFill>
                   <a:srgbClr val="4A86E8"/>
                 </a:solidFill>
@@ -6295,7 +5827,7 @@
               <a:t> </a:t>
             </a:r>
             <a:r>
-              <a:rPr lang="nl-NL" sz="1200" dirty="0" err="1">
+              <a:rPr lang="nl-NL" sz="1000" dirty="0" err="1">
                 <a:solidFill>
                   <a:srgbClr val="4A86E8"/>
                 </a:solidFill>
@@ -6307,7 +5839,7 @@
               <a:t>and</a:t>
             </a:r>
             <a:r>
-              <a:rPr lang="nl-NL" sz="1200" dirty="0">
+              <a:rPr lang="nl-NL" sz="1000" dirty="0">
                 <a:solidFill>
                   <a:srgbClr val="4A86E8"/>
                 </a:solidFill>
@@ -6319,7 +5851,7 @@
               <a:t> </a:t>
             </a:r>
             <a:r>
-              <a:rPr lang="nl-NL" sz="1200" dirty="0" err="1">
+              <a:rPr lang="nl-NL" sz="1000" dirty="0" err="1">
                 <a:solidFill>
                   <a:srgbClr val="4A86E8"/>
                 </a:solidFill>
@@ -6331,7 +5863,7 @@
               <a:t>can</a:t>
             </a:r>
             <a:r>
-              <a:rPr lang="nl-NL" sz="1200" dirty="0">
+              <a:rPr lang="nl-NL" sz="1000" dirty="0">
                 <a:solidFill>
                   <a:srgbClr val="4A86E8"/>
                 </a:solidFill>
@@ -6343,7 +5875,7 @@
               <a:t> </a:t>
             </a:r>
             <a:r>
-              <a:rPr lang="nl-NL" sz="1200" dirty="0" err="1">
+              <a:rPr lang="nl-NL" sz="1000" dirty="0" err="1">
                 <a:solidFill>
                   <a:srgbClr val="4A86E8"/>
                 </a:solidFill>
@@ -6355,7 +5887,7 @@
               <a:t>send</a:t>
             </a:r>
             <a:r>
-              <a:rPr lang="nl-NL" sz="1200" dirty="0">
+              <a:rPr lang="nl-NL" sz="1000" dirty="0">
                 <a:solidFill>
                   <a:srgbClr val="4A86E8"/>
                 </a:solidFill>
@@ -6367,7 +5899,7 @@
               <a:t> data </a:t>
             </a:r>
             <a:r>
-              <a:rPr lang="nl-NL" sz="1200" dirty="0" err="1">
+              <a:rPr lang="nl-NL" sz="1000" dirty="0" err="1">
                 <a:solidFill>
                   <a:srgbClr val="4A86E8"/>
                 </a:solidFill>
@@ -6379,18 +5911,186 @@
               <a:t>to</a:t>
             </a:r>
             <a:r>
-              <a:rPr lang="nl-NL" sz="1200" dirty="0">
-                <a:solidFill>
-                  <a:srgbClr val="4A86E8"/>
-                </a:solidFill>
-                <a:latin typeface="Open Sans"/>
-                <a:ea typeface="Open Sans"/>
-                <a:cs typeface="Open Sans"/>
-                <a:sym typeface="Open Sans"/>
-              </a:rPr>
-              <a:t> sensor</a:t>
-            </a:r>
-            <a:endParaRPr sz="1200" dirty="0">
+              <a:rPr lang="nl-NL" sz="1000" dirty="0">
+                <a:solidFill>
+                  <a:srgbClr val="4A86E8"/>
+                </a:solidFill>
+                <a:latin typeface="Open Sans"/>
+                <a:ea typeface="Open Sans"/>
+                <a:cs typeface="Open Sans"/>
+                <a:sym typeface="Open Sans"/>
+              </a:rPr>
+              <a:t> sensor. It </a:t>
+            </a:r>
+            <a:r>
+              <a:rPr lang="nl-NL" sz="1000" dirty="0" err="1">
+                <a:solidFill>
+                  <a:srgbClr val="4A86E8"/>
+                </a:solidFill>
+                <a:latin typeface="Open Sans"/>
+                <a:ea typeface="Open Sans"/>
+                <a:cs typeface="Open Sans"/>
+                <a:sym typeface="Open Sans"/>
+              </a:rPr>
+              <a:t>should</a:t>
+            </a:r>
+            <a:r>
+              <a:rPr lang="nl-NL" sz="1000" dirty="0">
+                <a:solidFill>
+                  <a:srgbClr val="4A86E8"/>
+                </a:solidFill>
+                <a:latin typeface="Open Sans"/>
+                <a:ea typeface="Open Sans"/>
+                <a:cs typeface="Open Sans"/>
+                <a:sym typeface="Open Sans"/>
+              </a:rPr>
+              <a:t> </a:t>
+            </a:r>
+            <a:r>
+              <a:rPr lang="nl-NL" sz="1000" dirty="0" err="1">
+                <a:solidFill>
+                  <a:srgbClr val="4A86E8"/>
+                </a:solidFill>
+                <a:latin typeface="Open Sans"/>
+                <a:ea typeface="Open Sans"/>
+                <a:cs typeface="Open Sans"/>
+                <a:sym typeface="Open Sans"/>
+              </a:rPr>
+              <a:t>also</a:t>
+            </a:r>
+            <a:r>
+              <a:rPr lang="nl-NL" sz="1000" dirty="0">
+                <a:solidFill>
+                  <a:srgbClr val="4A86E8"/>
+                </a:solidFill>
+                <a:latin typeface="Open Sans"/>
+                <a:ea typeface="Open Sans"/>
+                <a:cs typeface="Open Sans"/>
+                <a:sym typeface="Open Sans"/>
+              </a:rPr>
+              <a:t> </a:t>
+            </a:r>
+            <a:r>
+              <a:rPr lang="nl-NL" sz="1000" dirty="0" err="1">
+                <a:solidFill>
+                  <a:srgbClr val="4A86E8"/>
+                </a:solidFill>
+                <a:latin typeface="Open Sans"/>
+                <a:ea typeface="Open Sans"/>
+                <a:cs typeface="Open Sans"/>
+                <a:sym typeface="Open Sans"/>
+              </a:rPr>
+              <a:t>be</a:t>
+            </a:r>
+            <a:r>
+              <a:rPr lang="nl-NL" sz="1000" dirty="0">
+                <a:solidFill>
+                  <a:srgbClr val="4A86E8"/>
+                </a:solidFill>
+                <a:latin typeface="Open Sans"/>
+                <a:ea typeface="Open Sans"/>
+                <a:cs typeface="Open Sans"/>
+                <a:sym typeface="Open Sans"/>
+              </a:rPr>
+              <a:t> </a:t>
+            </a:r>
+            <a:r>
+              <a:rPr lang="nl-NL" sz="1000" dirty="0" err="1">
+                <a:solidFill>
+                  <a:srgbClr val="4A86E8"/>
+                </a:solidFill>
+                <a:latin typeface="Open Sans"/>
+                <a:ea typeface="Open Sans"/>
+                <a:cs typeface="Open Sans"/>
+                <a:sym typeface="Open Sans"/>
+              </a:rPr>
+              <a:t>able</a:t>
+            </a:r>
+            <a:r>
+              <a:rPr lang="nl-NL" sz="1000" dirty="0">
+                <a:solidFill>
+                  <a:srgbClr val="4A86E8"/>
+                </a:solidFill>
+                <a:latin typeface="Open Sans"/>
+                <a:ea typeface="Open Sans"/>
+                <a:cs typeface="Open Sans"/>
+                <a:sym typeface="Open Sans"/>
+              </a:rPr>
+              <a:t> </a:t>
+            </a:r>
+            <a:r>
+              <a:rPr lang="nl-NL" sz="1000" dirty="0" err="1">
+                <a:solidFill>
+                  <a:srgbClr val="4A86E8"/>
+                </a:solidFill>
+                <a:latin typeface="Open Sans"/>
+                <a:ea typeface="Open Sans"/>
+                <a:cs typeface="Open Sans"/>
+                <a:sym typeface="Open Sans"/>
+              </a:rPr>
+              <a:t>to</a:t>
+            </a:r>
+            <a:r>
+              <a:rPr lang="nl-NL" sz="1000" dirty="0">
+                <a:solidFill>
+                  <a:srgbClr val="4A86E8"/>
+                </a:solidFill>
+                <a:latin typeface="Open Sans"/>
+                <a:ea typeface="Open Sans"/>
+                <a:cs typeface="Open Sans"/>
+                <a:sym typeface="Open Sans"/>
+              </a:rPr>
+              <a:t> save </a:t>
+            </a:r>
+            <a:r>
+              <a:rPr lang="nl-NL" sz="1000" dirty="0" err="1">
+                <a:solidFill>
+                  <a:srgbClr val="4A86E8"/>
+                </a:solidFill>
+                <a:latin typeface="Open Sans"/>
+                <a:ea typeface="Open Sans"/>
+                <a:cs typeface="Open Sans"/>
+                <a:sym typeface="Open Sans"/>
+              </a:rPr>
+              <a:t>the</a:t>
+            </a:r>
+            <a:r>
+              <a:rPr lang="nl-NL" sz="1000" dirty="0">
+                <a:solidFill>
+                  <a:srgbClr val="4A86E8"/>
+                </a:solidFill>
+                <a:latin typeface="Open Sans"/>
+                <a:ea typeface="Open Sans"/>
+                <a:cs typeface="Open Sans"/>
+                <a:sym typeface="Open Sans"/>
+              </a:rPr>
+              <a:t> data </a:t>
+            </a:r>
+            <a:r>
+              <a:rPr lang="nl-NL" sz="1000" dirty="0" err="1">
+                <a:solidFill>
+                  <a:srgbClr val="4A86E8"/>
+                </a:solidFill>
+                <a:latin typeface="Open Sans"/>
+                <a:ea typeface="Open Sans"/>
+                <a:cs typeface="Open Sans"/>
+                <a:sym typeface="Open Sans"/>
+              </a:rPr>
+              <a:t>for</a:t>
+            </a:r>
+            <a:r>
+              <a:rPr lang="nl-NL" sz="1000" dirty="0">
+                <a:solidFill>
+                  <a:srgbClr val="4A86E8"/>
+                </a:solidFill>
+                <a:latin typeface="Open Sans"/>
+                <a:ea typeface="Open Sans"/>
+                <a:cs typeface="Open Sans"/>
+                <a:sym typeface="Open Sans"/>
+              </a:rPr>
+              <a:t> analysis.</a:t>
+            </a:r>
+            <a:endParaRPr sz="1000" dirty="0">
               <a:solidFill>
                 <a:srgbClr val="4A86E8"/>
               </a:solidFill>
@@ -6410,7 +6110,7 @@
         </p:nvSpPr>
         <p:spPr>
           <a:xfrm>
-            <a:off x="2232225" y="2196350"/>
+            <a:off x="2198675" y="2136451"/>
             <a:ext cx="1389600" cy="1098000"/>
           </a:xfrm>
           <a:prstGeom prst="rect">
@@ -6437,7 +6137,7 @@
               <a:buNone/>
             </a:pPr>
             <a:r>
-              <a:rPr lang="nl-NL" sz="1000" dirty="0">
+              <a:rPr lang="nl-NL" sz="700" dirty="0">
                 <a:solidFill>
                   <a:srgbClr val="4A86E8"/>
                 </a:solidFill>
@@ -6449,7 +6149,7 @@
               <a:t>The data is </a:t>
             </a:r>
             <a:r>
-              <a:rPr lang="nl-NL" sz="1000" dirty="0" err="1">
+              <a:rPr lang="nl-NL" sz="700" dirty="0" err="1">
                 <a:solidFill>
                   <a:srgbClr val="4A86E8"/>
                 </a:solidFill>
@@ -6461,7 +6161,7 @@
               <a:t>correctly</a:t>
             </a:r>
             <a:r>
-              <a:rPr lang="nl-NL" sz="1000" dirty="0">
+              <a:rPr lang="nl-NL" sz="700" dirty="0">
                 <a:solidFill>
                   <a:srgbClr val="4A86E8"/>
                 </a:solidFill>
@@ -6473,7 +6173,7 @@
               <a:t> </a:t>
             </a:r>
             <a:r>
-              <a:rPr lang="nl-NL" sz="1000" dirty="0" err="1">
+              <a:rPr lang="nl-NL" sz="700" dirty="0" err="1">
                 <a:solidFill>
                   <a:srgbClr val="4A86E8"/>
                 </a:solidFill>
@@ -6485,7 +6185,7 @@
               <a:t>displayed</a:t>
             </a:r>
             <a:r>
-              <a:rPr lang="nl-NL" sz="1000" dirty="0">
+              <a:rPr lang="nl-NL" sz="700" dirty="0">
                 <a:solidFill>
                   <a:srgbClr val="4A86E8"/>
                 </a:solidFill>
@@ -6497,7 +6197,7 @@
               <a:t> </a:t>
             </a:r>
             <a:r>
-              <a:rPr lang="nl-NL" sz="1000" dirty="0" err="1">
+              <a:rPr lang="nl-NL" sz="700" dirty="0" err="1">
                 <a:solidFill>
                   <a:srgbClr val="4A86E8"/>
                 </a:solidFill>
@@ -6509,7 +6209,7 @@
               <a:t>and</a:t>
             </a:r>
             <a:r>
-              <a:rPr lang="nl-NL" sz="1000" dirty="0">
+              <a:rPr lang="nl-NL" sz="700" dirty="0">
                 <a:solidFill>
                   <a:srgbClr val="4A86E8"/>
                 </a:solidFill>
@@ -6521,7 +6221,7 @@
               <a:t> </a:t>
             </a:r>
             <a:r>
-              <a:rPr lang="nl-NL" sz="1000" dirty="0" err="1">
+              <a:rPr lang="nl-NL" sz="700" dirty="0" err="1">
                 <a:solidFill>
                   <a:srgbClr val="4A86E8"/>
                 </a:solidFill>
@@ -6533,7 +6233,7 @@
               <a:t>devices</a:t>
             </a:r>
             <a:r>
-              <a:rPr lang="nl-NL" sz="1000" dirty="0">
+              <a:rPr lang="nl-NL" sz="700" dirty="0">
                 <a:solidFill>
                   <a:srgbClr val="4A86E8"/>
                 </a:solidFill>
@@ -6545,7 +6245,7 @@
               <a:t> </a:t>
             </a:r>
             <a:r>
-              <a:rPr lang="nl-NL" sz="1000" dirty="0" err="1">
+              <a:rPr lang="nl-NL" sz="700" dirty="0" err="1">
                 <a:solidFill>
                   <a:srgbClr val="4A86E8"/>
                 </a:solidFill>
@@ -6557,7 +6257,7 @@
               <a:t>can</a:t>
             </a:r>
             <a:r>
-              <a:rPr lang="nl-NL" sz="1000" dirty="0">
+              <a:rPr lang="nl-NL" sz="700" dirty="0">
                 <a:solidFill>
                   <a:srgbClr val="4A86E8"/>
                 </a:solidFill>
@@ -6569,7 +6269,7 @@
               <a:t> </a:t>
             </a:r>
             <a:r>
-              <a:rPr lang="nl-NL" sz="1000" dirty="0" err="1">
+              <a:rPr lang="nl-NL" sz="700" dirty="0" err="1">
                 <a:solidFill>
                   <a:srgbClr val="4A86E8"/>
                 </a:solidFill>
@@ -6581,7 +6281,7 @@
               <a:t>be</a:t>
             </a:r>
             <a:r>
-              <a:rPr lang="nl-NL" sz="1000" dirty="0">
+              <a:rPr lang="nl-NL" sz="700" dirty="0">
                 <a:solidFill>
                   <a:srgbClr val="4A86E8"/>
                 </a:solidFill>
@@ -6593,7 +6293,7 @@
               <a:t> </a:t>
             </a:r>
             <a:r>
-              <a:rPr lang="nl-NL" sz="1000" dirty="0" err="1">
+              <a:rPr lang="nl-NL" sz="700" dirty="0" err="1">
                 <a:solidFill>
                   <a:srgbClr val="4A86E8"/>
                 </a:solidFill>
@@ -6605,7 +6305,7 @@
               <a:t>controlled</a:t>
             </a:r>
             <a:r>
-              <a:rPr lang="nl-NL" sz="1000" dirty="0">
+              <a:rPr lang="nl-NL" sz="700" dirty="0">
                 <a:solidFill>
                   <a:srgbClr val="4A86E8"/>
                 </a:solidFill>
@@ -6617,19 +6317,19 @@
               <a:t>. </a:t>
             </a:r>
             <a:r>
-              <a:rPr lang="nl-NL" sz="1000" dirty="0" err="1">
-                <a:solidFill>
-                  <a:srgbClr val="4A86E8"/>
-                </a:solidFill>
-                <a:latin typeface="Open Sans"/>
-                <a:ea typeface="Open Sans"/>
-                <a:cs typeface="Open Sans"/>
-                <a:sym typeface="Open Sans"/>
-              </a:rPr>
-              <a:t>Tested</a:t>
-            </a:r>
-            <a:r>
-              <a:rPr lang="nl-NL" sz="1000" dirty="0">
+              <a:rPr lang="nl-NL" sz="700" dirty="0" err="1">
+                <a:solidFill>
+                  <a:srgbClr val="4A86E8"/>
+                </a:solidFill>
+                <a:latin typeface="Open Sans"/>
+                <a:ea typeface="Open Sans"/>
+                <a:cs typeface="Open Sans"/>
+                <a:sym typeface="Open Sans"/>
+              </a:rPr>
+              <a:t>This</a:t>
+            </a:r>
+            <a:r>
+              <a:rPr lang="nl-NL" sz="700" dirty="0">
                 <a:solidFill>
                   <a:srgbClr val="4A86E8"/>
                 </a:solidFill>
@@ -6641,7 +6341,79 @@
               <a:t> </a:t>
             </a:r>
             <a:r>
-              <a:rPr lang="nl-NL" sz="1000" dirty="0" err="1">
+              <a:rPr lang="nl-NL" sz="700" dirty="0" err="1">
+                <a:solidFill>
+                  <a:srgbClr val="4A86E8"/>
+                </a:solidFill>
+                <a:latin typeface="Open Sans"/>
+                <a:ea typeface="Open Sans"/>
+                <a:cs typeface="Open Sans"/>
+                <a:sym typeface="Open Sans"/>
+              </a:rPr>
+              <a:t>can</a:t>
+            </a:r>
+            <a:r>
+              <a:rPr lang="nl-NL" sz="700" dirty="0">
+                <a:solidFill>
+                  <a:srgbClr val="4A86E8"/>
+                </a:solidFill>
+                <a:latin typeface="Open Sans"/>
+                <a:ea typeface="Open Sans"/>
+                <a:cs typeface="Open Sans"/>
+                <a:sym typeface="Open Sans"/>
+              </a:rPr>
+              <a:t> </a:t>
+            </a:r>
+            <a:r>
+              <a:rPr lang="nl-NL" sz="700" dirty="0" err="1">
+                <a:solidFill>
+                  <a:srgbClr val="4A86E8"/>
+                </a:solidFill>
+                <a:latin typeface="Open Sans"/>
+                <a:ea typeface="Open Sans"/>
+                <a:cs typeface="Open Sans"/>
+                <a:sym typeface="Open Sans"/>
+              </a:rPr>
+              <a:t>be</a:t>
+            </a:r>
+            <a:r>
+              <a:rPr lang="nl-NL" sz="700" dirty="0">
+                <a:solidFill>
+                  <a:srgbClr val="4A86E8"/>
+                </a:solidFill>
+                <a:latin typeface="Open Sans"/>
+                <a:ea typeface="Open Sans"/>
+                <a:cs typeface="Open Sans"/>
+                <a:sym typeface="Open Sans"/>
+              </a:rPr>
+              <a:t> </a:t>
+            </a:r>
+            <a:r>
+              <a:rPr lang="nl-NL" sz="700" dirty="0" err="1">
+                <a:solidFill>
+                  <a:srgbClr val="4A86E8"/>
+                </a:solidFill>
+                <a:latin typeface="Open Sans"/>
+                <a:ea typeface="Open Sans"/>
+                <a:cs typeface="Open Sans"/>
+                <a:sym typeface="Open Sans"/>
+              </a:rPr>
+              <a:t>tested</a:t>
+            </a:r>
+            <a:r>
+              <a:rPr lang="nl-NL" sz="700" dirty="0">
+                <a:solidFill>
+                  <a:srgbClr val="4A86E8"/>
+                </a:solidFill>
+                <a:latin typeface="Open Sans"/>
+                <a:ea typeface="Open Sans"/>
+                <a:cs typeface="Open Sans"/>
+                <a:sym typeface="Open Sans"/>
+              </a:rPr>
+              <a:t> </a:t>
+            </a:r>
+            <a:r>
+              <a:rPr lang="nl-NL" sz="700" dirty="0" err="1">
                 <a:solidFill>
                   <a:srgbClr val="4A86E8"/>
                 </a:solidFill>
@@ -6653,7 +6425,7 @@
               <a:t>with</a:t>
             </a:r>
             <a:r>
-              <a:rPr lang="nl-NL" sz="1000" dirty="0">
+              <a:rPr lang="nl-NL" sz="700" dirty="0">
                 <a:solidFill>
                   <a:srgbClr val="4A86E8"/>
                 </a:solidFill>
@@ -6665,7 +6437,7 @@
               <a:t> </a:t>
             </a:r>
             <a:r>
-              <a:rPr lang="nl-NL" sz="1000" dirty="0" err="1">
+              <a:rPr lang="nl-NL" sz="700" dirty="0" err="1">
                 <a:solidFill>
                   <a:srgbClr val="4A86E8"/>
                 </a:solidFill>
@@ -6677,16 +6449,459 @@
               <a:t>artificial</a:t>
             </a:r>
             <a:r>
-              <a:rPr lang="nl-NL" sz="1000" dirty="0">
-                <a:solidFill>
-                  <a:srgbClr val="4A86E8"/>
-                </a:solidFill>
-                <a:latin typeface="Open Sans"/>
-                <a:ea typeface="Open Sans"/>
-                <a:cs typeface="Open Sans"/>
-                <a:sym typeface="Open Sans"/>
-              </a:rPr>
-              <a:t> data stream..</a:t>
+              <a:rPr lang="nl-NL" sz="700" dirty="0">
+                <a:solidFill>
+                  <a:srgbClr val="4A86E8"/>
+                </a:solidFill>
+                <a:latin typeface="Open Sans"/>
+                <a:ea typeface="Open Sans"/>
+                <a:cs typeface="Open Sans"/>
+                <a:sym typeface="Open Sans"/>
+              </a:rPr>
+              <a:t> data stream.</a:t>
+            </a:r>
+          </a:p>
+          <a:p>
+            <a:pPr marL="0" lvl="0" indent="0" algn="l" rtl="0">
+              <a:spcBef>
+                <a:spcPts val="0"/>
+              </a:spcBef>
+              <a:spcAft>
+                <a:spcPts val="0"/>
+              </a:spcAft>
+              <a:buNone/>
+            </a:pPr>
+            <a:r>
+              <a:rPr lang="nl-NL" sz="700" dirty="0" err="1">
+                <a:solidFill>
+                  <a:srgbClr val="4A86E8"/>
+                </a:solidFill>
+                <a:latin typeface="Open Sans"/>
+                <a:ea typeface="Open Sans"/>
+                <a:cs typeface="Open Sans"/>
+                <a:sym typeface="Open Sans"/>
+              </a:rPr>
+              <a:t>You</a:t>
+            </a:r>
+            <a:r>
+              <a:rPr lang="nl-NL" sz="700" dirty="0">
+                <a:solidFill>
+                  <a:srgbClr val="4A86E8"/>
+                </a:solidFill>
+                <a:latin typeface="Open Sans"/>
+                <a:ea typeface="Open Sans"/>
+                <a:cs typeface="Open Sans"/>
+                <a:sym typeface="Open Sans"/>
+              </a:rPr>
+              <a:t> </a:t>
+            </a:r>
+            <a:r>
+              <a:rPr lang="nl-NL" sz="700" dirty="0" err="1">
+                <a:solidFill>
+                  <a:srgbClr val="4A86E8"/>
+                </a:solidFill>
+                <a:latin typeface="Open Sans"/>
+                <a:ea typeface="Open Sans"/>
+                <a:cs typeface="Open Sans"/>
+                <a:sym typeface="Open Sans"/>
+              </a:rPr>
+              <a:t>should</a:t>
+            </a:r>
+            <a:r>
+              <a:rPr lang="nl-NL" sz="700" dirty="0">
+                <a:solidFill>
+                  <a:srgbClr val="4A86E8"/>
+                </a:solidFill>
+                <a:latin typeface="Open Sans"/>
+                <a:ea typeface="Open Sans"/>
+                <a:cs typeface="Open Sans"/>
+                <a:sym typeface="Open Sans"/>
+              </a:rPr>
+              <a:t> </a:t>
+            </a:r>
+            <a:r>
+              <a:rPr lang="nl-NL" sz="700" dirty="0" err="1">
+                <a:solidFill>
+                  <a:srgbClr val="4A86E8"/>
+                </a:solidFill>
+                <a:latin typeface="Open Sans"/>
+                <a:ea typeface="Open Sans"/>
+                <a:cs typeface="Open Sans"/>
+                <a:sym typeface="Open Sans"/>
+              </a:rPr>
+              <a:t>be</a:t>
+            </a:r>
+            <a:r>
+              <a:rPr lang="nl-NL" sz="700" dirty="0">
+                <a:solidFill>
+                  <a:srgbClr val="4A86E8"/>
+                </a:solidFill>
+                <a:latin typeface="Open Sans"/>
+                <a:ea typeface="Open Sans"/>
+                <a:cs typeface="Open Sans"/>
+                <a:sym typeface="Open Sans"/>
+              </a:rPr>
+              <a:t> </a:t>
+            </a:r>
+            <a:r>
+              <a:rPr lang="nl-NL" sz="700" dirty="0" err="1">
+                <a:solidFill>
+                  <a:srgbClr val="4A86E8"/>
+                </a:solidFill>
+                <a:latin typeface="Open Sans"/>
+                <a:ea typeface="Open Sans"/>
+                <a:cs typeface="Open Sans"/>
+                <a:sym typeface="Open Sans"/>
+              </a:rPr>
+              <a:t>able</a:t>
+            </a:r>
+            <a:r>
+              <a:rPr lang="nl-NL" sz="700" dirty="0">
+                <a:solidFill>
+                  <a:srgbClr val="4A86E8"/>
+                </a:solidFill>
+                <a:latin typeface="Open Sans"/>
+                <a:ea typeface="Open Sans"/>
+                <a:cs typeface="Open Sans"/>
+                <a:sym typeface="Open Sans"/>
+              </a:rPr>
+              <a:t> </a:t>
+            </a:r>
+            <a:r>
+              <a:rPr lang="nl-NL" sz="700" dirty="0" err="1">
+                <a:solidFill>
+                  <a:srgbClr val="4A86E8"/>
+                </a:solidFill>
+                <a:latin typeface="Open Sans"/>
+                <a:ea typeface="Open Sans"/>
+                <a:cs typeface="Open Sans"/>
+                <a:sym typeface="Open Sans"/>
+              </a:rPr>
+              <a:t>to</a:t>
+            </a:r>
+            <a:r>
+              <a:rPr lang="nl-NL" sz="700" dirty="0">
+                <a:solidFill>
+                  <a:srgbClr val="4A86E8"/>
+                </a:solidFill>
+                <a:latin typeface="Open Sans"/>
+                <a:ea typeface="Open Sans"/>
+                <a:cs typeface="Open Sans"/>
+                <a:sym typeface="Open Sans"/>
+              </a:rPr>
+              <a:t> </a:t>
+            </a:r>
+            <a:r>
+              <a:rPr lang="nl-NL" sz="700" dirty="0" err="1">
+                <a:solidFill>
+                  <a:srgbClr val="4A86E8"/>
+                </a:solidFill>
+                <a:latin typeface="Open Sans"/>
+                <a:ea typeface="Open Sans"/>
+                <a:cs typeface="Open Sans"/>
+                <a:sym typeface="Open Sans"/>
+              </a:rPr>
+              <a:t>use</a:t>
+            </a:r>
+            <a:r>
+              <a:rPr lang="nl-NL" sz="700" dirty="0">
+                <a:solidFill>
+                  <a:srgbClr val="4A86E8"/>
+                </a:solidFill>
+                <a:latin typeface="Open Sans"/>
+                <a:ea typeface="Open Sans"/>
+                <a:cs typeface="Open Sans"/>
+                <a:sym typeface="Open Sans"/>
+              </a:rPr>
+              <a:t> </a:t>
+            </a:r>
+            <a:r>
+              <a:rPr lang="nl-NL" sz="700" dirty="0" err="1">
+                <a:solidFill>
+                  <a:srgbClr val="4A86E8"/>
+                </a:solidFill>
+                <a:latin typeface="Open Sans"/>
+                <a:ea typeface="Open Sans"/>
+                <a:cs typeface="Open Sans"/>
+                <a:sym typeface="Open Sans"/>
+              </a:rPr>
+              <a:t>the</a:t>
+            </a:r>
+            <a:r>
+              <a:rPr lang="nl-NL" sz="700" dirty="0">
+                <a:solidFill>
+                  <a:srgbClr val="4A86E8"/>
+                </a:solidFill>
+                <a:latin typeface="Open Sans"/>
+                <a:ea typeface="Open Sans"/>
+                <a:cs typeface="Open Sans"/>
+                <a:sym typeface="Open Sans"/>
+              </a:rPr>
+              <a:t> interface </a:t>
+            </a:r>
+            <a:r>
+              <a:rPr lang="nl-NL" sz="700" dirty="0" err="1">
+                <a:solidFill>
+                  <a:srgbClr val="4A86E8"/>
+                </a:solidFill>
+                <a:latin typeface="Open Sans"/>
+                <a:ea typeface="Open Sans"/>
+                <a:cs typeface="Open Sans"/>
+                <a:sym typeface="Open Sans"/>
+              </a:rPr>
+              <a:t>with</a:t>
+            </a:r>
+            <a:r>
+              <a:rPr lang="nl-NL" sz="700" dirty="0">
+                <a:solidFill>
+                  <a:srgbClr val="4A86E8"/>
+                </a:solidFill>
+                <a:latin typeface="Open Sans"/>
+                <a:ea typeface="Open Sans"/>
+                <a:cs typeface="Open Sans"/>
+                <a:sym typeface="Open Sans"/>
+              </a:rPr>
+              <a:t> </a:t>
+            </a:r>
+            <a:r>
+              <a:rPr lang="nl-NL" sz="700" dirty="0" err="1">
+                <a:solidFill>
+                  <a:srgbClr val="4A86E8"/>
+                </a:solidFill>
+                <a:latin typeface="Open Sans"/>
+                <a:ea typeface="Open Sans"/>
+                <a:cs typeface="Open Sans"/>
+                <a:sym typeface="Open Sans"/>
+              </a:rPr>
+              <a:t>very</a:t>
+            </a:r>
+            <a:r>
+              <a:rPr lang="nl-NL" sz="700" dirty="0">
+                <a:solidFill>
+                  <a:srgbClr val="4A86E8"/>
+                </a:solidFill>
+                <a:latin typeface="Open Sans"/>
+                <a:ea typeface="Open Sans"/>
+                <a:cs typeface="Open Sans"/>
+                <a:sym typeface="Open Sans"/>
+              </a:rPr>
+              <a:t> </a:t>
+            </a:r>
+            <a:r>
+              <a:rPr lang="nl-NL" sz="700" dirty="0" err="1">
+                <a:solidFill>
+                  <a:srgbClr val="4A86E8"/>
+                </a:solidFill>
+                <a:latin typeface="Open Sans"/>
+                <a:ea typeface="Open Sans"/>
+                <a:cs typeface="Open Sans"/>
+                <a:sym typeface="Open Sans"/>
+              </a:rPr>
+              <a:t>minimal</a:t>
+            </a:r>
+            <a:r>
+              <a:rPr lang="nl-NL" sz="700" dirty="0">
+                <a:solidFill>
+                  <a:srgbClr val="4A86E8"/>
+                </a:solidFill>
+                <a:latin typeface="Open Sans"/>
+                <a:ea typeface="Open Sans"/>
+                <a:cs typeface="Open Sans"/>
+                <a:sym typeface="Open Sans"/>
+              </a:rPr>
+              <a:t> training. (no </a:t>
+            </a:r>
+            <a:r>
+              <a:rPr lang="nl-NL" sz="700" dirty="0" err="1">
+                <a:solidFill>
+                  <a:srgbClr val="4A86E8"/>
+                </a:solidFill>
+                <a:latin typeface="Open Sans"/>
+                <a:ea typeface="Open Sans"/>
+                <a:cs typeface="Open Sans"/>
+                <a:sym typeface="Open Sans"/>
+              </a:rPr>
+              <a:t>programming</a:t>
+            </a:r>
+            <a:r>
+              <a:rPr lang="nl-NL" sz="700" dirty="0">
+                <a:solidFill>
+                  <a:srgbClr val="4A86E8"/>
+                </a:solidFill>
+                <a:latin typeface="Open Sans"/>
+                <a:ea typeface="Open Sans"/>
+                <a:cs typeface="Open Sans"/>
+                <a:sym typeface="Open Sans"/>
+              </a:rPr>
+              <a:t> </a:t>
+            </a:r>
+            <a:r>
+              <a:rPr lang="nl-NL" sz="700" dirty="0" err="1">
+                <a:solidFill>
+                  <a:srgbClr val="4A86E8"/>
+                </a:solidFill>
+                <a:latin typeface="Open Sans"/>
+                <a:ea typeface="Open Sans"/>
+                <a:cs typeface="Open Sans"/>
+                <a:sym typeface="Open Sans"/>
+              </a:rPr>
+              <a:t>knowledge</a:t>
+            </a:r>
+            <a:r>
+              <a:rPr lang="nl-NL" sz="700" dirty="0">
+                <a:solidFill>
+                  <a:srgbClr val="4A86E8"/>
+                </a:solidFill>
+                <a:latin typeface="Open Sans"/>
+                <a:ea typeface="Open Sans"/>
+                <a:cs typeface="Open Sans"/>
+                <a:sym typeface="Open Sans"/>
+              </a:rPr>
+              <a:t> </a:t>
+            </a:r>
+            <a:r>
+              <a:rPr lang="nl-NL" sz="700" dirty="0" err="1">
+                <a:solidFill>
+                  <a:srgbClr val="4A86E8"/>
+                </a:solidFill>
+                <a:latin typeface="Open Sans"/>
+                <a:ea typeface="Open Sans"/>
+                <a:cs typeface="Open Sans"/>
+                <a:sym typeface="Open Sans"/>
+              </a:rPr>
+              <a:t>needed</a:t>
+            </a:r>
+            <a:r>
+              <a:rPr lang="nl-NL" sz="700" dirty="0">
+                <a:solidFill>
+                  <a:srgbClr val="4A86E8"/>
+                </a:solidFill>
+                <a:latin typeface="Open Sans"/>
+                <a:ea typeface="Open Sans"/>
+                <a:cs typeface="Open Sans"/>
+                <a:sym typeface="Open Sans"/>
+              </a:rPr>
+              <a:t>, </a:t>
+            </a:r>
+            <a:r>
+              <a:rPr lang="nl-NL" sz="700" dirty="0" err="1">
+                <a:solidFill>
+                  <a:srgbClr val="4A86E8"/>
+                </a:solidFill>
+                <a:latin typeface="Open Sans"/>
+                <a:ea typeface="Open Sans"/>
+                <a:cs typeface="Open Sans"/>
+                <a:sym typeface="Open Sans"/>
+              </a:rPr>
+              <a:t>only</a:t>
+            </a:r>
+            <a:r>
+              <a:rPr lang="nl-NL" sz="700" dirty="0">
+                <a:solidFill>
+                  <a:srgbClr val="4A86E8"/>
+                </a:solidFill>
+                <a:latin typeface="Open Sans"/>
+                <a:ea typeface="Open Sans"/>
+                <a:cs typeface="Open Sans"/>
+                <a:sym typeface="Open Sans"/>
+              </a:rPr>
+              <a:t> a small </a:t>
+            </a:r>
+            <a:r>
+              <a:rPr lang="nl-NL" sz="700" dirty="0" err="1">
+                <a:solidFill>
+                  <a:srgbClr val="4A86E8"/>
+                </a:solidFill>
+                <a:latin typeface="Open Sans"/>
+                <a:ea typeface="Open Sans"/>
+                <a:cs typeface="Open Sans"/>
+                <a:sym typeface="Open Sans"/>
+              </a:rPr>
+              <a:t>one</a:t>
+            </a:r>
+            <a:r>
+              <a:rPr lang="nl-NL" sz="700" dirty="0">
+                <a:solidFill>
+                  <a:srgbClr val="4A86E8"/>
+                </a:solidFill>
+                <a:latin typeface="Open Sans"/>
+                <a:ea typeface="Open Sans"/>
+                <a:cs typeface="Open Sans"/>
+                <a:sym typeface="Open Sans"/>
+              </a:rPr>
+              <a:t> page </a:t>
+            </a:r>
+            <a:r>
+              <a:rPr lang="nl-NL" sz="700" dirty="0" err="1">
+                <a:solidFill>
+                  <a:srgbClr val="4A86E8"/>
+                </a:solidFill>
+                <a:latin typeface="Open Sans"/>
+                <a:ea typeface="Open Sans"/>
+                <a:cs typeface="Open Sans"/>
+                <a:sym typeface="Open Sans"/>
+              </a:rPr>
+              <a:t>explanation</a:t>
+            </a:r>
+            <a:r>
+              <a:rPr lang="nl-NL" sz="700" dirty="0">
+                <a:solidFill>
+                  <a:srgbClr val="4A86E8"/>
+                </a:solidFill>
+                <a:latin typeface="Open Sans"/>
+                <a:ea typeface="Open Sans"/>
+                <a:cs typeface="Open Sans"/>
+                <a:sym typeface="Open Sans"/>
+              </a:rPr>
+              <a:t> </a:t>
+            </a:r>
+            <a:r>
+              <a:rPr lang="nl-NL" sz="700" dirty="0" err="1">
+                <a:solidFill>
+                  <a:srgbClr val="4A86E8"/>
+                </a:solidFill>
+                <a:latin typeface="Open Sans"/>
+                <a:ea typeface="Open Sans"/>
+                <a:cs typeface="Open Sans"/>
+                <a:sym typeface="Open Sans"/>
+              </a:rPr>
+              <a:t>about</a:t>
+            </a:r>
+            <a:r>
+              <a:rPr lang="nl-NL" sz="700" dirty="0">
+                <a:solidFill>
+                  <a:srgbClr val="4A86E8"/>
+                </a:solidFill>
+                <a:latin typeface="Open Sans"/>
+                <a:ea typeface="Open Sans"/>
+                <a:cs typeface="Open Sans"/>
+                <a:sym typeface="Open Sans"/>
+              </a:rPr>
+              <a:t> </a:t>
+            </a:r>
+            <a:r>
+              <a:rPr lang="nl-NL" sz="700" dirty="0" err="1">
+                <a:solidFill>
+                  <a:srgbClr val="4A86E8"/>
+                </a:solidFill>
+                <a:latin typeface="Open Sans"/>
+                <a:ea typeface="Open Sans"/>
+                <a:cs typeface="Open Sans"/>
+                <a:sym typeface="Open Sans"/>
+              </a:rPr>
+              <a:t>the</a:t>
+            </a:r>
+            <a:r>
+              <a:rPr lang="nl-NL" sz="700" dirty="0">
+                <a:solidFill>
+                  <a:srgbClr val="4A86E8"/>
+                </a:solidFill>
+                <a:latin typeface="Open Sans"/>
+                <a:ea typeface="Open Sans"/>
+                <a:cs typeface="Open Sans"/>
+                <a:sym typeface="Open Sans"/>
+              </a:rPr>
+              <a:t> program)</a:t>
             </a:r>
           </a:p>
         </p:txBody>
@@ -6726,16 +6941,208 @@
               <a:buNone/>
             </a:pPr>
             <a:r>
-              <a:rPr lang="nl-NL" sz="1200" dirty="0">
-                <a:solidFill>
-                  <a:srgbClr val="4A86E8"/>
-                </a:solidFill>
-                <a:latin typeface="Open Sans"/>
-                <a:ea typeface="Open Sans"/>
-                <a:cs typeface="Open Sans"/>
-                <a:sym typeface="Open Sans"/>
-              </a:rPr>
-              <a:t>A display</a:t>
+              <a:rPr lang="nl-NL" sz="900" dirty="0">
+                <a:solidFill>
+                  <a:srgbClr val="4A86E8"/>
+                </a:solidFill>
+                <a:latin typeface="Open Sans"/>
+                <a:ea typeface="Open Sans"/>
+                <a:cs typeface="Open Sans"/>
+                <a:sym typeface="Open Sans"/>
+              </a:rPr>
+              <a:t>A display </a:t>
+            </a:r>
+            <a:r>
+              <a:rPr lang="nl-NL" sz="900" dirty="0" err="1">
+                <a:solidFill>
+                  <a:srgbClr val="4A86E8"/>
+                </a:solidFill>
+                <a:latin typeface="Open Sans"/>
+                <a:ea typeface="Open Sans"/>
+                <a:cs typeface="Open Sans"/>
+                <a:sym typeface="Open Sans"/>
+              </a:rPr>
+              <a:t>and</a:t>
+            </a:r>
+            <a:r>
+              <a:rPr lang="nl-NL" sz="900" dirty="0">
+                <a:solidFill>
+                  <a:srgbClr val="4A86E8"/>
+                </a:solidFill>
+                <a:latin typeface="Open Sans"/>
+                <a:ea typeface="Open Sans"/>
+                <a:cs typeface="Open Sans"/>
+                <a:sym typeface="Open Sans"/>
+              </a:rPr>
+              <a:t> </a:t>
+            </a:r>
+            <a:r>
+              <a:rPr lang="nl-NL" sz="900" dirty="0" err="1">
+                <a:solidFill>
+                  <a:srgbClr val="4A86E8"/>
+                </a:solidFill>
+                <a:latin typeface="Open Sans"/>
+                <a:ea typeface="Open Sans"/>
+                <a:cs typeface="Open Sans"/>
+                <a:sym typeface="Open Sans"/>
+              </a:rPr>
+              <a:t>raspberry</a:t>
+            </a:r>
+            <a:r>
+              <a:rPr lang="nl-NL" sz="900" dirty="0">
+                <a:solidFill>
+                  <a:srgbClr val="4A86E8"/>
+                </a:solidFill>
+                <a:latin typeface="Open Sans"/>
+                <a:ea typeface="Open Sans"/>
+                <a:cs typeface="Open Sans"/>
+                <a:sym typeface="Open Sans"/>
+              </a:rPr>
+              <a:t> pi (</a:t>
+            </a:r>
+            <a:r>
+              <a:rPr lang="nl-NL" sz="900" dirty="0" err="1">
+                <a:solidFill>
+                  <a:srgbClr val="4A86E8"/>
+                </a:solidFill>
+                <a:latin typeface="Open Sans"/>
+                <a:ea typeface="Open Sans"/>
+                <a:cs typeface="Open Sans"/>
+                <a:sym typeface="Open Sans"/>
+              </a:rPr>
+              <a:t>could</a:t>
+            </a:r>
+            <a:r>
+              <a:rPr lang="nl-NL" sz="900" dirty="0">
+                <a:solidFill>
+                  <a:srgbClr val="4A86E8"/>
+                </a:solidFill>
+                <a:latin typeface="Open Sans"/>
+                <a:ea typeface="Open Sans"/>
+                <a:cs typeface="Open Sans"/>
+                <a:sym typeface="Open Sans"/>
+              </a:rPr>
+              <a:t> </a:t>
+            </a:r>
+            <a:r>
+              <a:rPr lang="nl-NL" sz="900" dirty="0" err="1">
+                <a:solidFill>
+                  <a:srgbClr val="4A86E8"/>
+                </a:solidFill>
+                <a:latin typeface="Open Sans"/>
+                <a:ea typeface="Open Sans"/>
+                <a:cs typeface="Open Sans"/>
+                <a:sym typeface="Open Sans"/>
+              </a:rPr>
+              <a:t>also</a:t>
+            </a:r>
+            <a:r>
+              <a:rPr lang="nl-NL" sz="900" dirty="0">
+                <a:solidFill>
+                  <a:srgbClr val="4A86E8"/>
+                </a:solidFill>
+                <a:latin typeface="Open Sans"/>
+                <a:ea typeface="Open Sans"/>
+                <a:cs typeface="Open Sans"/>
+                <a:sym typeface="Open Sans"/>
+              </a:rPr>
+              <a:t> </a:t>
+            </a:r>
+            <a:r>
+              <a:rPr lang="nl-NL" sz="900" dirty="0" err="1">
+                <a:solidFill>
+                  <a:srgbClr val="4A86E8"/>
+                </a:solidFill>
+                <a:latin typeface="Open Sans"/>
+                <a:ea typeface="Open Sans"/>
+                <a:cs typeface="Open Sans"/>
+                <a:sym typeface="Open Sans"/>
+              </a:rPr>
+              <a:t>be</a:t>
+            </a:r>
+            <a:r>
+              <a:rPr lang="nl-NL" sz="900" dirty="0">
+                <a:solidFill>
+                  <a:srgbClr val="4A86E8"/>
+                </a:solidFill>
+                <a:latin typeface="Open Sans"/>
+                <a:ea typeface="Open Sans"/>
+                <a:cs typeface="Open Sans"/>
+                <a:sym typeface="Open Sans"/>
+              </a:rPr>
+              <a:t> </a:t>
+            </a:r>
+            <a:r>
+              <a:rPr lang="nl-NL" sz="900" dirty="0" err="1">
+                <a:solidFill>
+                  <a:srgbClr val="4A86E8"/>
+                </a:solidFill>
+                <a:latin typeface="Open Sans"/>
+                <a:ea typeface="Open Sans"/>
+                <a:cs typeface="Open Sans"/>
+                <a:sym typeface="Open Sans"/>
+              </a:rPr>
+              <a:t>combined</a:t>
+            </a:r>
+            <a:r>
+              <a:rPr lang="nl-NL" sz="900" dirty="0">
+                <a:solidFill>
+                  <a:srgbClr val="4A86E8"/>
+                </a:solidFill>
+                <a:latin typeface="Open Sans"/>
+                <a:ea typeface="Open Sans"/>
+                <a:cs typeface="Open Sans"/>
+                <a:sym typeface="Open Sans"/>
+              </a:rPr>
+              <a:t> as </a:t>
+            </a:r>
+            <a:r>
+              <a:rPr lang="nl-NL" sz="900" dirty="0" err="1">
+                <a:solidFill>
+                  <a:srgbClr val="4A86E8"/>
+                </a:solidFill>
+                <a:latin typeface="Open Sans"/>
+                <a:ea typeface="Open Sans"/>
+                <a:cs typeface="Open Sans"/>
+                <a:sym typeface="Open Sans"/>
+              </a:rPr>
+              <a:t>an</a:t>
+            </a:r>
+            <a:r>
+              <a:rPr lang="nl-NL" sz="900" dirty="0">
+                <a:solidFill>
+                  <a:srgbClr val="4A86E8"/>
+                </a:solidFill>
+                <a:latin typeface="Open Sans"/>
+                <a:ea typeface="Open Sans"/>
+                <a:cs typeface="Open Sans"/>
+                <a:sym typeface="Open Sans"/>
+              </a:rPr>
+              <a:t> </a:t>
+            </a:r>
+            <a:r>
+              <a:rPr lang="nl-NL" sz="900" dirty="0" err="1">
+                <a:solidFill>
+                  <a:srgbClr val="4A86E8"/>
+                </a:solidFill>
+                <a:latin typeface="Open Sans"/>
+                <a:ea typeface="Open Sans"/>
+                <a:cs typeface="Open Sans"/>
+                <a:sym typeface="Open Sans"/>
+              </a:rPr>
+              <a:t>external</a:t>
+            </a:r>
+            <a:r>
+              <a:rPr lang="nl-NL" sz="900" dirty="0">
+                <a:solidFill>
+                  <a:srgbClr val="4A86E8"/>
+                </a:solidFill>
+                <a:latin typeface="Open Sans"/>
+                <a:ea typeface="Open Sans"/>
+                <a:cs typeface="Open Sans"/>
+                <a:sym typeface="Open Sans"/>
+              </a:rPr>
+              <a:t> laptop)</a:t>
             </a:r>
           </a:p>
           <a:p>
@@ -6749,64 +7156,64 @@
               <a:buNone/>
             </a:pPr>
             <a:r>
-              <a:rPr lang="nl-NL" sz="1200" dirty="0">
-                <a:solidFill>
-                  <a:srgbClr val="4A86E8"/>
-                </a:solidFill>
-                <a:latin typeface="Open Sans"/>
-                <a:ea typeface="Open Sans"/>
-                <a:cs typeface="Open Sans"/>
-                <a:sym typeface="Open Sans"/>
-              </a:rPr>
-              <a:t>A </a:t>
-            </a:r>
-            <a:r>
-              <a:rPr lang="nl-NL" sz="1200" dirty="0" err="1">
-                <a:solidFill>
-                  <a:srgbClr val="4A86E8"/>
-                </a:solidFill>
-                <a:latin typeface="Open Sans"/>
-                <a:ea typeface="Open Sans"/>
-                <a:cs typeface="Open Sans"/>
-                <a:sym typeface="Open Sans"/>
-              </a:rPr>
-              <a:t>raspberry</a:t>
-            </a:r>
-            <a:r>
-              <a:rPr lang="nl-NL" sz="1200" dirty="0">
-                <a:solidFill>
-                  <a:srgbClr val="4A86E8"/>
-                </a:solidFill>
-                <a:latin typeface="Open Sans"/>
-                <a:ea typeface="Open Sans"/>
-                <a:cs typeface="Open Sans"/>
-                <a:sym typeface="Open Sans"/>
-              </a:rPr>
-              <a:t> pi (or </a:t>
-            </a:r>
-            <a:r>
-              <a:rPr lang="nl-NL" sz="1200" dirty="0" err="1">
-                <a:solidFill>
-                  <a:srgbClr val="4A86E8"/>
-                </a:solidFill>
-                <a:latin typeface="Open Sans"/>
-                <a:ea typeface="Open Sans"/>
-                <a:cs typeface="Open Sans"/>
-                <a:sym typeface="Open Sans"/>
-              </a:rPr>
-              <a:t>another</a:t>
-            </a:r>
-            <a:r>
-              <a:rPr lang="nl-NL" sz="1200" dirty="0">
-                <a:solidFill>
-                  <a:srgbClr val="4A86E8"/>
-                </a:solidFill>
-                <a:latin typeface="Open Sans"/>
-                <a:ea typeface="Open Sans"/>
-                <a:cs typeface="Open Sans"/>
-                <a:sym typeface="Open Sans"/>
-              </a:rPr>
-              <a:t> device)</a:t>
+              <a:rPr lang="nl-NL" sz="900" dirty="0">
+                <a:solidFill>
+                  <a:srgbClr val="4A86E8"/>
+                </a:solidFill>
+                <a:latin typeface="Open Sans"/>
+                <a:ea typeface="Open Sans"/>
+                <a:cs typeface="Open Sans"/>
+                <a:sym typeface="Open Sans"/>
+              </a:rPr>
+              <a:t>Data </a:t>
+            </a:r>
+            <a:r>
+              <a:rPr lang="nl-NL" sz="900" dirty="0" err="1">
+                <a:solidFill>
+                  <a:srgbClr val="4A86E8"/>
+                </a:solidFill>
+                <a:latin typeface="Open Sans"/>
+                <a:ea typeface="Open Sans"/>
+                <a:cs typeface="Open Sans"/>
+                <a:sym typeface="Open Sans"/>
+              </a:rPr>
+              <a:t>from</a:t>
+            </a:r>
+            <a:r>
+              <a:rPr lang="nl-NL" sz="900" dirty="0">
+                <a:solidFill>
+                  <a:srgbClr val="4A86E8"/>
+                </a:solidFill>
+                <a:latin typeface="Open Sans"/>
+                <a:ea typeface="Open Sans"/>
+                <a:cs typeface="Open Sans"/>
+                <a:sym typeface="Open Sans"/>
+              </a:rPr>
+              <a:t> </a:t>
+            </a:r>
+            <a:r>
+              <a:rPr lang="nl-NL" sz="900" dirty="0" err="1">
+                <a:solidFill>
+                  <a:srgbClr val="4A86E8"/>
+                </a:solidFill>
+                <a:latin typeface="Open Sans"/>
+                <a:ea typeface="Open Sans"/>
+                <a:cs typeface="Open Sans"/>
+                <a:sym typeface="Open Sans"/>
+              </a:rPr>
+              <a:t>the</a:t>
+            </a:r>
+            <a:r>
+              <a:rPr lang="nl-NL" sz="900" dirty="0">
+                <a:solidFill>
+                  <a:srgbClr val="4A86E8"/>
+                </a:solidFill>
+                <a:latin typeface="Open Sans"/>
+                <a:ea typeface="Open Sans"/>
+                <a:cs typeface="Open Sans"/>
+                <a:sym typeface="Open Sans"/>
+              </a:rPr>
+              <a:t> sensors</a:t>
             </a:r>
           </a:p>
           <a:p>
@@ -6820,40 +7227,112 @@
               <a:buNone/>
             </a:pPr>
             <a:r>
-              <a:rPr lang="nl-NL" sz="1200" dirty="0">
-                <a:solidFill>
-                  <a:srgbClr val="4A86E8"/>
-                </a:solidFill>
-                <a:latin typeface="Open Sans"/>
-                <a:ea typeface="Open Sans"/>
-                <a:cs typeface="Open Sans"/>
-                <a:sym typeface="Open Sans"/>
-              </a:rPr>
-              <a:t>An SD card </a:t>
-            </a:r>
-            <a:r>
-              <a:rPr lang="nl-NL" sz="1200" dirty="0" err="1">
-                <a:solidFill>
-                  <a:srgbClr val="4A86E8"/>
-                </a:solidFill>
-                <a:latin typeface="Open Sans"/>
-                <a:ea typeface="Open Sans"/>
-                <a:cs typeface="Open Sans"/>
-                <a:sym typeface="Open Sans"/>
-              </a:rPr>
-              <a:t>for</a:t>
-            </a:r>
-            <a:r>
-              <a:rPr lang="nl-NL" sz="1200" dirty="0">
-                <a:solidFill>
-                  <a:srgbClr val="4A86E8"/>
-                </a:solidFill>
-                <a:latin typeface="Open Sans"/>
-                <a:ea typeface="Open Sans"/>
-                <a:cs typeface="Open Sans"/>
-                <a:sym typeface="Open Sans"/>
-              </a:rPr>
-              <a:t> storage</a:t>
+              <a:rPr lang="nl-NL" sz="900" dirty="0">
+                <a:solidFill>
+                  <a:srgbClr val="4A86E8"/>
+                </a:solidFill>
+                <a:latin typeface="Open Sans"/>
+                <a:ea typeface="Open Sans"/>
+                <a:cs typeface="Open Sans"/>
+                <a:sym typeface="Open Sans"/>
+              </a:rPr>
+              <a:t>Python </a:t>
+            </a:r>
+            <a:r>
+              <a:rPr lang="nl-NL" sz="900" dirty="0" err="1">
+                <a:solidFill>
+                  <a:srgbClr val="4A86E8"/>
+                </a:solidFill>
+                <a:latin typeface="Open Sans"/>
+                <a:ea typeface="Open Sans"/>
+                <a:cs typeface="Open Sans"/>
+                <a:sym typeface="Open Sans"/>
+              </a:rPr>
+              <a:t>knowledge</a:t>
+            </a:r>
+            <a:r>
+              <a:rPr lang="nl-NL" sz="900" dirty="0">
+                <a:solidFill>
+                  <a:srgbClr val="4A86E8"/>
+                </a:solidFill>
+                <a:latin typeface="Open Sans"/>
+                <a:ea typeface="Open Sans"/>
+                <a:cs typeface="Open Sans"/>
+                <a:sym typeface="Open Sans"/>
+              </a:rPr>
+              <a:t> </a:t>
+            </a:r>
+            <a:r>
+              <a:rPr lang="nl-NL" sz="900" dirty="0" err="1">
+                <a:solidFill>
+                  <a:srgbClr val="4A86E8"/>
+                </a:solidFill>
+                <a:latin typeface="Open Sans"/>
+                <a:ea typeface="Open Sans"/>
+                <a:cs typeface="Open Sans"/>
+                <a:sym typeface="Open Sans"/>
+              </a:rPr>
+              <a:t>about</a:t>
+            </a:r>
+            <a:r>
+              <a:rPr lang="nl-NL" sz="900" dirty="0">
+                <a:solidFill>
+                  <a:srgbClr val="4A86E8"/>
+                </a:solidFill>
+                <a:latin typeface="Open Sans"/>
+                <a:ea typeface="Open Sans"/>
+                <a:cs typeface="Open Sans"/>
+                <a:sym typeface="Open Sans"/>
+              </a:rPr>
+              <a:t> </a:t>
+            </a:r>
+            <a:r>
+              <a:rPr lang="nl-NL" sz="900" dirty="0" err="1">
+                <a:solidFill>
+                  <a:srgbClr val="4A86E8"/>
+                </a:solidFill>
+                <a:latin typeface="Open Sans"/>
+                <a:ea typeface="Open Sans"/>
+                <a:cs typeface="Open Sans"/>
+                <a:sym typeface="Open Sans"/>
+              </a:rPr>
+              <a:t>GUIs</a:t>
+            </a:r>
+            <a:r>
+              <a:rPr lang="nl-NL" sz="900" dirty="0">
+                <a:solidFill>
+                  <a:srgbClr val="4A86E8"/>
+                </a:solidFill>
+                <a:latin typeface="Open Sans"/>
+                <a:ea typeface="Open Sans"/>
+                <a:cs typeface="Open Sans"/>
+                <a:sym typeface="Open Sans"/>
+              </a:rPr>
+              <a:t> </a:t>
+            </a:r>
+            <a:r>
+              <a:rPr lang="nl-NL" sz="900" dirty="0" err="1">
+                <a:solidFill>
+                  <a:srgbClr val="4A86E8"/>
+                </a:solidFill>
+                <a:latin typeface="Open Sans"/>
+                <a:ea typeface="Open Sans"/>
+                <a:cs typeface="Open Sans"/>
+                <a:sym typeface="Open Sans"/>
+              </a:rPr>
+              <a:t>and</a:t>
+            </a:r>
+            <a:r>
+              <a:rPr lang="nl-NL" sz="900" dirty="0">
+                <a:solidFill>
+                  <a:srgbClr val="4A86E8"/>
+                </a:solidFill>
+                <a:latin typeface="Open Sans"/>
+                <a:ea typeface="Open Sans"/>
+                <a:cs typeface="Open Sans"/>
+                <a:sym typeface="Open Sans"/>
+              </a:rPr>
+              <a:t> controller</a:t>
             </a:r>
           </a:p>
           <a:p>
@@ -6867,31 +7346,19 @@
               <a:buNone/>
             </a:pPr>
             <a:r>
-              <a:rPr lang="nl-NL" sz="1200" dirty="0">
-                <a:solidFill>
-                  <a:srgbClr val="4A86E8"/>
-                </a:solidFill>
-                <a:latin typeface="Open Sans"/>
-                <a:ea typeface="Open Sans"/>
-                <a:cs typeface="Open Sans"/>
-                <a:sym typeface="Open Sans"/>
-              </a:rPr>
-              <a:t>Data </a:t>
-            </a:r>
-            <a:r>
-              <a:rPr lang="nl-NL" sz="1200" dirty="0" err="1">
-                <a:solidFill>
-                  <a:srgbClr val="4A86E8"/>
-                </a:solidFill>
-                <a:latin typeface="Open Sans"/>
-                <a:ea typeface="Open Sans"/>
-                <a:cs typeface="Open Sans"/>
-                <a:sym typeface="Open Sans"/>
-              </a:rPr>
-              <a:t>from</a:t>
-            </a:r>
-            <a:r>
-              <a:rPr lang="nl-NL" sz="1200" dirty="0">
+              <a:rPr lang="nl-NL" sz="900" dirty="0" err="1">
+                <a:solidFill>
+                  <a:srgbClr val="4A86E8"/>
+                </a:solidFill>
+                <a:latin typeface="Open Sans"/>
+                <a:ea typeface="Open Sans"/>
+                <a:cs typeface="Open Sans"/>
+                <a:sym typeface="Open Sans"/>
+              </a:rPr>
+              <a:t>Know</a:t>
+            </a:r>
+            <a:r>
+              <a:rPr lang="nl-NL" sz="900" dirty="0">
                 <a:solidFill>
                   <a:srgbClr val="4A86E8"/>
                 </a:solidFill>
@@ -6903,29 +7370,74 @@
               <a:t> </a:t>
             </a:r>
             <a:r>
-              <a:rPr lang="nl-NL" sz="1200" dirty="0" err="1">
-                <a:solidFill>
-                  <a:srgbClr val="4A86E8"/>
-                </a:solidFill>
-                <a:latin typeface="Open Sans"/>
-                <a:ea typeface="Open Sans"/>
-                <a:cs typeface="Open Sans"/>
-                <a:sym typeface="Open Sans"/>
-              </a:rPr>
-              <a:t>the</a:t>
-            </a:r>
-            <a:r>
-              <a:rPr lang="nl-NL" sz="1200" dirty="0">
-                <a:solidFill>
-                  <a:srgbClr val="4A86E8"/>
-                </a:solidFill>
-                <a:latin typeface="Open Sans"/>
-                <a:ea typeface="Open Sans"/>
-                <a:cs typeface="Open Sans"/>
-                <a:sym typeface="Open Sans"/>
-              </a:rPr>
-              <a:t> sensors</a:t>
-            </a:r>
+              <a:rPr lang="nl-NL" sz="900" dirty="0" err="1">
+                <a:solidFill>
+                  <a:srgbClr val="4A86E8"/>
+                </a:solidFill>
+                <a:latin typeface="Open Sans"/>
+                <a:ea typeface="Open Sans"/>
+                <a:cs typeface="Open Sans"/>
+                <a:sym typeface="Open Sans"/>
+              </a:rPr>
+              <a:t>which</a:t>
+            </a:r>
+            <a:r>
+              <a:rPr lang="nl-NL" sz="900" dirty="0">
+                <a:solidFill>
+                  <a:srgbClr val="4A86E8"/>
+                </a:solidFill>
+                <a:latin typeface="Open Sans"/>
+                <a:ea typeface="Open Sans"/>
+                <a:cs typeface="Open Sans"/>
+                <a:sym typeface="Open Sans"/>
+              </a:rPr>
+              <a:t> </a:t>
+            </a:r>
+            <a:r>
+              <a:rPr lang="nl-NL" sz="900" dirty="0" err="1">
+                <a:solidFill>
+                  <a:srgbClr val="4A86E8"/>
+                </a:solidFill>
+                <a:latin typeface="Open Sans"/>
+                <a:ea typeface="Open Sans"/>
+                <a:cs typeface="Open Sans"/>
+                <a:sym typeface="Open Sans"/>
+              </a:rPr>
+              <a:t>protocols</a:t>
+            </a:r>
+            <a:r>
+              <a:rPr lang="nl-NL" sz="900" dirty="0">
+                <a:solidFill>
+                  <a:srgbClr val="4A86E8"/>
+                </a:solidFill>
+                <a:latin typeface="Open Sans"/>
+                <a:ea typeface="Open Sans"/>
+                <a:cs typeface="Open Sans"/>
+                <a:sym typeface="Open Sans"/>
+              </a:rPr>
+              <a:t> are </a:t>
+            </a:r>
+            <a:r>
+              <a:rPr lang="nl-NL" sz="900" dirty="0" err="1">
+                <a:solidFill>
+                  <a:srgbClr val="4A86E8"/>
+                </a:solidFill>
+                <a:latin typeface="Open Sans"/>
+                <a:ea typeface="Open Sans"/>
+                <a:cs typeface="Open Sans"/>
+                <a:sym typeface="Open Sans"/>
+              </a:rPr>
+              <a:t>used</a:t>
+            </a:r>
+            <a:endParaRPr lang="nl-NL" sz="900" dirty="0">
+              <a:solidFill>
+                <a:srgbClr val="4A86E8"/>
+              </a:solidFill>
+              <a:latin typeface="Open Sans"/>
+              <a:ea typeface="Open Sans"/>
+              <a:cs typeface="Open Sans"/>
+              <a:sym typeface="Open Sans"/>
+            </a:endParaRPr>
           </a:p>
           <a:p>
             <a:pPr marL="0" lvl="0" indent="0" algn="l" rtl="0">
@@ -6938,19 +7450,210 @@
               <a:buNone/>
             </a:pPr>
             <a:r>
-              <a:rPr lang="nl-NL" sz="1200" dirty="0">
-                <a:solidFill>
-                  <a:srgbClr val="4A86E8"/>
-                </a:solidFill>
-                <a:latin typeface="Open Sans"/>
-                <a:ea typeface="Open Sans"/>
-                <a:cs typeface="Open Sans"/>
-                <a:sym typeface="Open Sans"/>
-              </a:rPr>
-              <a:t>Python expert/</a:t>
-            </a:r>
-            <a:r>
-              <a:rPr lang="nl-NL" sz="1200" dirty="0" err="1">
+              <a:rPr lang="nl-NL" sz="900" dirty="0">
+                <a:solidFill>
+                  <a:srgbClr val="4A86E8"/>
+                </a:solidFill>
+                <a:latin typeface="Open Sans"/>
+                <a:ea typeface="Open Sans"/>
+                <a:cs typeface="Open Sans"/>
+                <a:sym typeface="Open Sans"/>
+              </a:rPr>
+              <a:t>Packages </a:t>
+            </a:r>
+            <a:r>
+              <a:rPr lang="nl-NL" sz="900" dirty="0" err="1">
+                <a:solidFill>
+                  <a:srgbClr val="4A86E8"/>
+                </a:solidFill>
+                <a:latin typeface="Open Sans"/>
+                <a:ea typeface="Open Sans"/>
+                <a:cs typeface="Open Sans"/>
+                <a:sym typeface="Open Sans"/>
+              </a:rPr>
+              <a:t>for</a:t>
+            </a:r>
+            <a:r>
+              <a:rPr lang="nl-NL" sz="900" dirty="0">
+                <a:solidFill>
+                  <a:srgbClr val="4A86E8"/>
+                </a:solidFill>
+                <a:latin typeface="Open Sans"/>
+                <a:ea typeface="Open Sans"/>
+                <a:cs typeface="Open Sans"/>
+                <a:sym typeface="Open Sans"/>
+              </a:rPr>
+              <a:t> </a:t>
+            </a:r>
+            <a:r>
+              <a:rPr lang="nl-NL" sz="900" dirty="0" err="1">
+                <a:solidFill>
+                  <a:srgbClr val="4A86E8"/>
+                </a:solidFill>
+                <a:latin typeface="Open Sans"/>
+                <a:ea typeface="Open Sans"/>
+                <a:cs typeface="Open Sans"/>
+                <a:sym typeface="Open Sans"/>
+              </a:rPr>
+              <a:t>those</a:t>
+            </a:r>
+            <a:r>
+              <a:rPr lang="nl-NL" sz="900" dirty="0">
+                <a:solidFill>
+                  <a:srgbClr val="4A86E8"/>
+                </a:solidFill>
+                <a:latin typeface="Open Sans"/>
+                <a:ea typeface="Open Sans"/>
+                <a:cs typeface="Open Sans"/>
+                <a:sym typeface="Open Sans"/>
+              </a:rPr>
+              <a:t> </a:t>
+            </a:r>
+            <a:r>
+              <a:rPr lang="nl-NL" sz="900" dirty="0" err="1">
+                <a:solidFill>
+                  <a:srgbClr val="4A86E8"/>
+                </a:solidFill>
+                <a:latin typeface="Open Sans"/>
+                <a:ea typeface="Open Sans"/>
+                <a:cs typeface="Open Sans"/>
+                <a:sym typeface="Open Sans"/>
+              </a:rPr>
+              <a:t>protocols</a:t>
+            </a:r>
+            <a:r>
+              <a:rPr lang="nl-NL" sz="900" dirty="0">
+                <a:solidFill>
+                  <a:srgbClr val="4A86E8"/>
+                </a:solidFill>
+                <a:latin typeface="Open Sans"/>
+                <a:ea typeface="Open Sans"/>
+                <a:cs typeface="Open Sans"/>
+                <a:sym typeface="Open Sans"/>
+              </a:rPr>
+              <a:t> </a:t>
+            </a:r>
+            <a:r>
+              <a:rPr lang="nl-NL" sz="900" dirty="0" err="1">
+                <a:solidFill>
+                  <a:srgbClr val="4A86E8"/>
+                </a:solidFill>
+                <a:latin typeface="Open Sans"/>
+                <a:ea typeface="Open Sans"/>
+                <a:cs typeface="Open Sans"/>
+                <a:sym typeface="Open Sans"/>
+              </a:rPr>
+              <a:t>and</a:t>
+            </a:r>
+            <a:r>
+              <a:rPr lang="nl-NL" sz="900" dirty="0">
+                <a:solidFill>
+                  <a:srgbClr val="4A86E8"/>
+                </a:solidFill>
+                <a:latin typeface="Open Sans"/>
+                <a:ea typeface="Open Sans"/>
+                <a:cs typeface="Open Sans"/>
+                <a:sym typeface="Open Sans"/>
+              </a:rPr>
+              <a:t> </a:t>
+            </a:r>
+            <a:r>
+              <a:rPr lang="nl-NL" sz="900" dirty="0" err="1">
+                <a:solidFill>
+                  <a:srgbClr val="4A86E8"/>
+                </a:solidFill>
+                <a:latin typeface="Open Sans"/>
+                <a:ea typeface="Open Sans"/>
+                <a:cs typeface="Open Sans"/>
+                <a:sym typeface="Open Sans"/>
+              </a:rPr>
+              <a:t>labphew</a:t>
+            </a:r>
+            <a:r>
+              <a:rPr lang="nl-NL" sz="900" dirty="0">
+                <a:solidFill>
+                  <a:srgbClr val="4A86E8"/>
+                </a:solidFill>
+                <a:latin typeface="Open Sans"/>
+                <a:ea typeface="Open Sans"/>
+                <a:cs typeface="Open Sans"/>
+                <a:sym typeface="Open Sans"/>
+              </a:rPr>
+              <a:t> package</a:t>
+            </a:r>
+          </a:p>
+          <a:p>
+            <a:pPr marL="0" lvl="0" indent="0" algn="l" rtl="0">
+              <a:spcBef>
+                <a:spcPts val="0"/>
+              </a:spcBef>
+              <a:spcAft>
+                <a:spcPts val="0"/>
+              </a:spcAft>
+              <a:buNone/>
+            </a:pPr>
+            <a:r>
+              <a:rPr lang="nl-NL" sz="900" dirty="0">
+                <a:solidFill>
+                  <a:srgbClr val="4A86E8"/>
+                </a:solidFill>
+                <a:latin typeface="Open Sans"/>
+                <a:ea typeface="Open Sans"/>
+                <a:cs typeface="Open Sans"/>
+                <a:sym typeface="Open Sans"/>
+              </a:rPr>
+              <a:t>Power </a:t>
+            </a:r>
+            <a:r>
+              <a:rPr lang="nl-NL" sz="900" dirty="0" err="1">
+                <a:solidFill>
+                  <a:srgbClr val="4A86E8"/>
+                </a:solidFill>
+                <a:latin typeface="Open Sans"/>
+                <a:ea typeface="Open Sans"/>
+                <a:cs typeface="Open Sans"/>
+                <a:sym typeface="Open Sans"/>
+              </a:rPr>
+              <a:t>supply</a:t>
+            </a:r>
+            <a:r>
+              <a:rPr lang="nl-NL" sz="900" dirty="0">
+                <a:solidFill>
+                  <a:srgbClr val="4A86E8"/>
+                </a:solidFill>
+                <a:latin typeface="Open Sans"/>
+                <a:ea typeface="Open Sans"/>
+                <a:cs typeface="Open Sans"/>
+                <a:sym typeface="Open Sans"/>
+              </a:rPr>
+              <a:t> </a:t>
+            </a:r>
+            <a:r>
+              <a:rPr lang="nl-NL" sz="900" dirty="0" err="1">
+                <a:solidFill>
+                  <a:srgbClr val="4A86E8"/>
+                </a:solidFill>
+                <a:latin typeface="Open Sans"/>
+                <a:ea typeface="Open Sans"/>
+                <a:cs typeface="Open Sans"/>
+                <a:sym typeface="Open Sans"/>
+              </a:rPr>
+              <a:t>for</a:t>
+            </a:r>
+            <a:r>
+              <a:rPr lang="nl-NL" sz="900" dirty="0">
+                <a:solidFill>
+                  <a:srgbClr val="4A86E8"/>
+                </a:solidFill>
+                <a:latin typeface="Open Sans"/>
+                <a:ea typeface="Open Sans"/>
+                <a:cs typeface="Open Sans"/>
+                <a:sym typeface="Open Sans"/>
+              </a:rPr>
+              <a:t> </a:t>
+            </a:r>
+            <a:r>
+              <a:rPr lang="nl-NL" sz="900" dirty="0" err="1">
                 <a:solidFill>
                   <a:srgbClr val="4A86E8"/>
                 </a:solidFill>
@@ -6962,18 +7665,97 @@
               <a:t>raspberry</a:t>
             </a:r>
             <a:r>
-              <a:rPr lang="nl-NL" sz="1200" dirty="0">
-                <a:solidFill>
-                  <a:srgbClr val="4A86E8"/>
-                </a:solidFill>
-                <a:latin typeface="Open Sans"/>
-                <a:ea typeface="Open Sans"/>
-                <a:cs typeface="Open Sans"/>
-                <a:sym typeface="Open Sans"/>
-              </a:rPr>
-              <a:t> pi expert</a:t>
-            </a:r>
-            <a:endParaRPr sz="1200" dirty="0">
+              <a:rPr lang="nl-NL" sz="900" dirty="0">
+                <a:solidFill>
+                  <a:srgbClr val="4A86E8"/>
+                </a:solidFill>
+                <a:latin typeface="Open Sans"/>
+                <a:ea typeface="Open Sans"/>
+                <a:cs typeface="Open Sans"/>
+                <a:sym typeface="Open Sans"/>
+              </a:rPr>
+              <a:t> pi or </a:t>
+            </a:r>
+            <a:r>
+              <a:rPr lang="nl-NL" sz="900" dirty="0" err="1">
+                <a:solidFill>
+                  <a:srgbClr val="4A86E8"/>
+                </a:solidFill>
+                <a:latin typeface="Open Sans"/>
+                <a:ea typeface="Open Sans"/>
+                <a:cs typeface="Open Sans"/>
+                <a:sym typeface="Open Sans"/>
+              </a:rPr>
+              <a:t>to</a:t>
+            </a:r>
+            <a:r>
+              <a:rPr lang="nl-NL" sz="900" dirty="0">
+                <a:solidFill>
+                  <a:srgbClr val="4A86E8"/>
+                </a:solidFill>
+                <a:latin typeface="Open Sans"/>
+                <a:ea typeface="Open Sans"/>
+                <a:cs typeface="Open Sans"/>
+                <a:sym typeface="Open Sans"/>
+              </a:rPr>
+              <a:t> (</a:t>
+            </a:r>
+            <a:r>
+              <a:rPr lang="nl-NL" sz="900" dirty="0" err="1">
+                <a:solidFill>
+                  <a:srgbClr val="4A86E8"/>
+                </a:solidFill>
+                <a:latin typeface="Open Sans"/>
+                <a:ea typeface="Open Sans"/>
+                <a:cs typeface="Open Sans"/>
+                <a:sym typeface="Open Sans"/>
+              </a:rPr>
+              <a:t>slowly</a:t>
+            </a:r>
+            <a:r>
+              <a:rPr lang="nl-NL" sz="900" dirty="0">
+                <a:solidFill>
+                  <a:srgbClr val="4A86E8"/>
+                </a:solidFill>
+                <a:latin typeface="Open Sans"/>
+                <a:ea typeface="Open Sans"/>
+                <a:cs typeface="Open Sans"/>
+                <a:sym typeface="Open Sans"/>
+              </a:rPr>
+              <a:t> charge laptop)</a:t>
+            </a:r>
+          </a:p>
+          <a:p>
+            <a:pPr marL="0" lvl="0" indent="0" algn="l" rtl="0">
+              <a:spcBef>
+                <a:spcPts val="0"/>
+              </a:spcBef>
+              <a:spcAft>
+                <a:spcPts val="0"/>
+              </a:spcAft>
+              <a:buNone/>
+            </a:pPr>
+            <a:endParaRPr lang="nl-NL" sz="900" dirty="0">
+              <a:solidFill>
+                <a:srgbClr val="4A86E8"/>
+              </a:solidFill>
+              <a:latin typeface="Open Sans"/>
+              <a:ea typeface="Open Sans"/>
+              <a:cs typeface="Open Sans"/>
+              <a:sym typeface="Open Sans"/>
+            </a:endParaRPr>
+          </a:p>
+          <a:p>
+            <a:pPr marL="0" lvl="0" indent="0" algn="l" rtl="0">
+              <a:spcBef>
+                <a:spcPts val="0"/>
+              </a:spcBef>
+              <a:spcAft>
+                <a:spcPts val="0"/>
+              </a:spcAft>
+              <a:buNone/>
+            </a:pPr>
+            <a:endParaRPr lang="nl-NL" sz="900" dirty="0">
               <a:solidFill>
                 <a:srgbClr val="4A86E8"/>
               </a:solidFill>
@@ -6993,7 +7775,7 @@
         </p:nvSpPr>
         <p:spPr>
           <a:xfrm>
-            <a:off x="3677775" y="728375"/>
+            <a:off x="3677775" y="706025"/>
             <a:ext cx="4056600" cy="1187700"/>
           </a:xfrm>
           <a:prstGeom prst="rect">
@@ -7020,184 +7802,62 @@
               <a:buNone/>
             </a:pPr>
             <a:r>
-              <a:rPr lang="nl-NL" sz="1200" dirty="0">
-                <a:solidFill>
-                  <a:srgbClr val="4A86E8"/>
-                </a:solidFill>
-                <a:latin typeface="Open Sans"/>
-                <a:ea typeface="Open Sans"/>
-                <a:cs typeface="Open Sans"/>
-                <a:sym typeface="Open Sans"/>
-              </a:rPr>
-              <a:t>The interface </a:t>
-            </a:r>
-            <a:r>
-              <a:rPr lang="nl-NL" sz="1200" dirty="0" err="1">
-                <a:solidFill>
-                  <a:srgbClr val="4A86E8"/>
-                </a:solidFill>
-                <a:latin typeface="Open Sans"/>
-                <a:ea typeface="Open Sans"/>
-                <a:cs typeface="Open Sans"/>
-                <a:sym typeface="Open Sans"/>
-              </a:rPr>
-              <a:t>allows</a:t>
-            </a:r>
-            <a:r>
-              <a:rPr lang="nl-NL" sz="1200" dirty="0">
-                <a:solidFill>
-                  <a:srgbClr val="4A86E8"/>
-                </a:solidFill>
-                <a:latin typeface="Open Sans"/>
-                <a:ea typeface="Open Sans"/>
-                <a:cs typeface="Open Sans"/>
-                <a:sym typeface="Open Sans"/>
-              </a:rPr>
-              <a:t> users </a:t>
-            </a:r>
-            <a:r>
-              <a:rPr lang="nl-NL" sz="1200" dirty="0" err="1">
-                <a:solidFill>
-                  <a:srgbClr val="4A86E8"/>
-                </a:solidFill>
-                <a:latin typeface="Open Sans"/>
-                <a:ea typeface="Open Sans"/>
-                <a:cs typeface="Open Sans"/>
-                <a:sym typeface="Open Sans"/>
-              </a:rPr>
-              <a:t>to</a:t>
-            </a:r>
-            <a:r>
-              <a:rPr lang="nl-NL" sz="1200" dirty="0">
-                <a:solidFill>
-                  <a:srgbClr val="4A86E8"/>
-                </a:solidFill>
-                <a:latin typeface="Open Sans"/>
-                <a:ea typeface="Open Sans"/>
-                <a:cs typeface="Open Sans"/>
-                <a:sym typeface="Open Sans"/>
-              </a:rPr>
-              <a:t> </a:t>
-            </a:r>
-            <a:r>
-              <a:rPr lang="nl-NL" sz="1200" dirty="0" err="1">
-                <a:solidFill>
-                  <a:srgbClr val="4A86E8"/>
-                </a:solidFill>
-                <a:latin typeface="Open Sans"/>
-                <a:ea typeface="Open Sans"/>
-                <a:cs typeface="Open Sans"/>
-                <a:sym typeface="Open Sans"/>
-              </a:rPr>
-              <a:t>actually</a:t>
-            </a:r>
-            <a:r>
-              <a:rPr lang="nl-NL" sz="1200" dirty="0">
-                <a:solidFill>
-                  <a:srgbClr val="4A86E8"/>
-                </a:solidFill>
-                <a:latin typeface="Open Sans"/>
-                <a:ea typeface="Open Sans"/>
-                <a:cs typeface="Open Sans"/>
-                <a:sym typeface="Open Sans"/>
-              </a:rPr>
-              <a:t> </a:t>
-            </a:r>
-            <a:r>
-              <a:rPr lang="nl-NL" sz="1200" dirty="0" err="1">
-                <a:solidFill>
-                  <a:srgbClr val="4A86E8"/>
-                </a:solidFill>
-                <a:latin typeface="Open Sans"/>
-                <a:ea typeface="Open Sans"/>
-                <a:cs typeface="Open Sans"/>
-                <a:sym typeface="Open Sans"/>
-              </a:rPr>
-              <a:t>use</a:t>
-            </a:r>
-            <a:r>
-              <a:rPr lang="nl-NL" sz="1200" dirty="0">
-                <a:solidFill>
-                  <a:srgbClr val="4A86E8"/>
-                </a:solidFill>
-                <a:latin typeface="Open Sans"/>
-                <a:ea typeface="Open Sans"/>
-                <a:cs typeface="Open Sans"/>
-                <a:sym typeface="Open Sans"/>
-              </a:rPr>
-              <a:t> </a:t>
-            </a:r>
-            <a:r>
-              <a:rPr lang="nl-NL" sz="1200" dirty="0" err="1">
-                <a:solidFill>
-                  <a:srgbClr val="4A86E8"/>
-                </a:solidFill>
-                <a:latin typeface="Open Sans"/>
-                <a:ea typeface="Open Sans"/>
-                <a:cs typeface="Open Sans"/>
-                <a:sym typeface="Open Sans"/>
-              </a:rPr>
-              <a:t>the</a:t>
-            </a:r>
-            <a:r>
-              <a:rPr lang="nl-NL" sz="1200" dirty="0">
-                <a:solidFill>
-                  <a:srgbClr val="4A86E8"/>
-                </a:solidFill>
-                <a:latin typeface="Open Sans"/>
-                <a:ea typeface="Open Sans"/>
-                <a:cs typeface="Open Sans"/>
-                <a:sym typeface="Open Sans"/>
-              </a:rPr>
-              <a:t> experiment box. It </a:t>
-            </a:r>
-            <a:r>
-              <a:rPr lang="nl-NL" sz="1200" dirty="0" err="1">
-                <a:solidFill>
-                  <a:srgbClr val="4A86E8"/>
-                </a:solidFill>
-                <a:latin typeface="Open Sans"/>
-                <a:ea typeface="Open Sans"/>
-                <a:cs typeface="Open Sans"/>
-                <a:sym typeface="Open Sans"/>
-              </a:rPr>
-              <a:t>will</a:t>
-            </a:r>
-            <a:r>
-              <a:rPr lang="nl-NL" sz="1200" dirty="0">
-                <a:solidFill>
-                  <a:srgbClr val="4A86E8"/>
-                </a:solidFill>
-                <a:latin typeface="Open Sans"/>
-                <a:ea typeface="Open Sans"/>
-                <a:cs typeface="Open Sans"/>
-                <a:sym typeface="Open Sans"/>
-              </a:rPr>
-              <a:t> make </a:t>
-            </a:r>
-            <a:r>
-              <a:rPr lang="nl-NL" sz="1200" dirty="0" err="1">
-                <a:solidFill>
-                  <a:srgbClr val="4A86E8"/>
-                </a:solidFill>
-                <a:latin typeface="Open Sans"/>
-                <a:ea typeface="Open Sans"/>
-                <a:cs typeface="Open Sans"/>
-                <a:sym typeface="Open Sans"/>
-              </a:rPr>
-              <a:t>the</a:t>
-            </a:r>
-            <a:r>
-              <a:rPr lang="nl-NL" sz="1200" dirty="0">
-                <a:solidFill>
-                  <a:srgbClr val="4A86E8"/>
-                </a:solidFill>
-                <a:latin typeface="Open Sans"/>
-                <a:ea typeface="Open Sans"/>
-                <a:cs typeface="Open Sans"/>
-                <a:sym typeface="Open Sans"/>
-              </a:rPr>
-              <a:t> product a low </a:t>
+              <a:rPr lang="en-GB" sz="1200" dirty="0">
+                <a:solidFill>
+                  <a:srgbClr val="4A86E8"/>
+                </a:solidFill>
+                <a:latin typeface="Open Sans"/>
+                <a:ea typeface="Open Sans"/>
+                <a:cs typeface="Open Sans"/>
+                <a:sym typeface="Open Sans"/>
+              </a:rPr>
+              <a:t>We will make sure that even people that do not have programming experience or knowledge can still use our device.</a:t>
+            </a:r>
+          </a:p>
+          <a:p>
+            <a:pPr marL="0" lvl="0" indent="0" algn="l" rtl="0">
+              <a:spcBef>
+                <a:spcPts val="0"/>
+              </a:spcBef>
+              <a:spcAft>
+                <a:spcPts val="0"/>
+              </a:spcAft>
+              <a:buNone/>
+            </a:pPr>
+            <a:r>
+              <a:rPr lang="en-GB" sz="1200" dirty="0">
+                <a:solidFill>
+                  <a:srgbClr val="4A86E8"/>
+                </a:solidFill>
+                <a:latin typeface="Open Sans"/>
+                <a:ea typeface="Open Sans"/>
+                <a:cs typeface="Open Sans"/>
+                <a:sym typeface="Open Sans"/>
+              </a:rPr>
+              <a:t>Our project will also greatly simplify the use of the box.</a:t>
+            </a:r>
+          </a:p>
+          <a:p>
+            <a:pPr marL="0" lvl="0" indent="0" algn="l" rtl="0">
+              <a:spcBef>
+                <a:spcPts val="0"/>
+              </a:spcBef>
+              <a:spcAft>
+                <a:spcPts val="0"/>
+              </a:spcAft>
+              <a:buNone/>
+            </a:pPr>
+            <a:r>
+              <a:rPr lang="en-GB" sz="1200" dirty="0">
+                <a:solidFill>
+                  <a:srgbClr val="4A86E8"/>
+                </a:solidFill>
+                <a:latin typeface="Open Sans"/>
+                <a:ea typeface="Open Sans"/>
+                <a:cs typeface="Open Sans"/>
+                <a:sym typeface="Open Sans"/>
+              </a:rPr>
+              <a:t>It is also needed to connect the different parts of the box to be able to do a cohesive measurement.</a:t>
             </a:r>
             <a:endParaRPr sz="1200" dirty="0">
               <a:solidFill>
@@ -7219,7 +7879,7 @@
         </p:nvSpPr>
         <p:spPr>
           <a:xfrm>
-            <a:off x="3677775" y="2398050"/>
+            <a:off x="3644150" y="2353376"/>
             <a:ext cx="2476500" cy="896400"/>
           </a:xfrm>
           <a:prstGeom prst="rect">
@@ -7245,7 +7905,43 @@
               </a:spcAft>
               <a:buNone/>
             </a:pPr>
-            <a:endParaRPr sz="1200" dirty="0">
+            <a:r>
+              <a:rPr lang="en-GB" sz="800" dirty="0">
+                <a:solidFill>
+                  <a:srgbClr val="4A86E8"/>
+                </a:solidFill>
+                <a:latin typeface="Open Sans"/>
+                <a:ea typeface="Open Sans"/>
+                <a:cs typeface="Open Sans"/>
+                <a:sym typeface="Open Sans"/>
+              </a:rPr>
+              <a:t>Our early adopters will be the people that build the sensors. They will rely on our interface to do measurements. The final users will be the people that make use of the measurement station. They will need it to </a:t>
+            </a:r>
+            <a:r>
+              <a:rPr lang="en-GB" sz="800" dirty="0" err="1">
+                <a:solidFill>
+                  <a:srgbClr val="4A86E8"/>
+                </a:solidFill>
+                <a:latin typeface="Open Sans"/>
+                <a:ea typeface="Open Sans"/>
+                <a:cs typeface="Open Sans"/>
+                <a:sym typeface="Open Sans"/>
+              </a:rPr>
+              <a:t>controll</a:t>
+            </a:r>
+            <a:r>
+              <a:rPr lang="en-GB" sz="800" dirty="0">
+                <a:solidFill>
+                  <a:srgbClr val="4A86E8"/>
+                </a:solidFill>
+                <a:latin typeface="Open Sans"/>
+                <a:ea typeface="Open Sans"/>
+                <a:cs typeface="Open Sans"/>
+                <a:sym typeface="Open Sans"/>
+              </a:rPr>
+              <a:t> the device and make actual use of it.</a:t>
+            </a:r>
+            <a:endParaRPr sz="800" dirty="0">
               <a:solidFill>
                 <a:srgbClr val="4A86E8"/>
               </a:solidFill>
@@ -7265,7 +7961,7 @@
         </p:nvSpPr>
         <p:spPr>
           <a:xfrm>
-            <a:off x="6143075" y="2241175"/>
+            <a:off x="6174950" y="2132626"/>
             <a:ext cx="1591200" cy="1098000"/>
           </a:xfrm>
           <a:prstGeom prst="rect">
@@ -7291,7 +7987,19 @@
               </a:spcAft>
               <a:buNone/>
             </a:pPr>
-            <a:endParaRPr sz="1200" dirty="0">
+            <a:r>
+              <a:rPr lang="en-GB" sz="900" dirty="0">
+                <a:solidFill>
+                  <a:srgbClr val="4A86E8"/>
+                </a:solidFill>
+                <a:latin typeface="Open Sans"/>
+                <a:ea typeface="Open Sans"/>
+                <a:cs typeface="Open Sans"/>
+                <a:sym typeface="Open Sans"/>
+              </a:rPr>
+              <a:t>They have basically no other options apart from writing a program themselves. What we should do is make a program that is good enough that they will not want to write their own.</a:t>
+            </a:r>
+            <a:endParaRPr sz="900" dirty="0">
               <a:solidFill>
                 <a:srgbClr val="4A86E8"/>
               </a:solidFill>
@@ -7311,7 +8019,7 @@
         </p:nvSpPr>
         <p:spPr>
           <a:xfrm>
-            <a:off x="3720350" y="3798775"/>
+            <a:off x="3720350" y="3671775"/>
             <a:ext cx="2476500" cy="986100"/>
           </a:xfrm>
           <a:prstGeom prst="rect">
@@ -7337,7 +8045,65 @@
               </a:spcAft>
               <a:buNone/>
             </a:pPr>
-            <a:endParaRPr sz="1200" dirty="0">
+            <a:r>
+              <a:rPr lang="en-GB" sz="900" dirty="0">
+                <a:solidFill>
+                  <a:srgbClr val="4A86E8"/>
+                </a:solidFill>
+                <a:latin typeface="Open Sans"/>
+                <a:ea typeface="Open Sans"/>
+                <a:cs typeface="Open Sans"/>
+                <a:sym typeface="Open Sans"/>
+              </a:rPr>
+              <a:t>The contributors will be people on the internet that made open source packages.</a:t>
+            </a:r>
+          </a:p>
+          <a:p>
+            <a:pPr marL="0" lvl="0" indent="0" algn="l" rtl="0">
+              <a:spcBef>
+                <a:spcPts val="0"/>
+              </a:spcBef>
+              <a:spcAft>
+                <a:spcPts val="0"/>
+              </a:spcAft>
+              <a:buNone/>
+            </a:pPr>
+            <a:r>
+              <a:rPr lang="en-GB" sz="900" dirty="0">
+                <a:solidFill>
+                  <a:srgbClr val="4A86E8"/>
+                </a:solidFill>
+                <a:latin typeface="Open Sans"/>
+                <a:ea typeface="Open Sans"/>
+                <a:cs typeface="Open Sans"/>
+                <a:sym typeface="Open Sans"/>
+              </a:rPr>
+              <a:t>Ideally, a contributor has extensive programming knowledge and has worked with interfacing before.</a:t>
+            </a:r>
+          </a:p>
+          <a:p>
+            <a:pPr marL="0" lvl="0" indent="0" algn="l" rtl="0">
+              <a:spcBef>
+                <a:spcPts val="0"/>
+              </a:spcBef>
+              <a:spcAft>
+                <a:spcPts val="0"/>
+              </a:spcAft>
+              <a:buNone/>
+            </a:pPr>
+            <a:r>
+              <a:rPr lang="en-GB" sz="900" dirty="0">
+                <a:solidFill>
+                  <a:srgbClr val="4A86E8"/>
+                </a:solidFill>
+                <a:latin typeface="Open Sans"/>
+                <a:ea typeface="Open Sans"/>
+                <a:cs typeface="Open Sans"/>
+                <a:sym typeface="Open Sans"/>
+              </a:rPr>
+              <a:t>The other contributors will be the people that provided the data and hardware.</a:t>
+            </a:r>
+            <a:endParaRPr sz="900" dirty="0">
               <a:solidFill>
                 <a:srgbClr val="4A86E8"/>
               </a:solidFill>
@@ -7357,7 +8123,7 @@
         </p:nvSpPr>
         <p:spPr>
           <a:xfrm>
-            <a:off x="6120650" y="3798775"/>
+            <a:off x="6120650" y="3671775"/>
             <a:ext cx="1613700" cy="896400"/>
           </a:xfrm>
           <a:prstGeom prst="rect">
@@ -7383,7 +8149,19 @@
               </a:spcAft>
               <a:buNone/>
             </a:pPr>
-            <a:endParaRPr sz="1200" dirty="0">
+            <a:r>
+              <a:rPr lang="en-GB" sz="800" dirty="0">
+                <a:solidFill>
+                  <a:srgbClr val="4A86E8"/>
+                </a:solidFill>
+                <a:latin typeface="Open Sans"/>
+                <a:ea typeface="Open Sans"/>
+                <a:cs typeface="Open Sans"/>
+                <a:sym typeface="Open Sans"/>
+              </a:rPr>
+              <a:t>Once people want to introduce new sensors, our program should be good enough to build upon. This way they will not have write their whole thing from scratch but can use/edit/incorporate our program.</a:t>
+            </a:r>
+            <a:endParaRPr sz="800" dirty="0">
               <a:solidFill>
                 <a:srgbClr val="4A86E8"/>
               </a:solidFill>
@@ -7488,44 +8266,6 @@
           </a:p>
         </p:txBody>
       </p:sp>
-    </p:spTree>
-  </p:cSld>
-  <p:clrMapOvr>
-    <a:masterClrMapping/>
-  </p:clrMapOvr>
-</p:sld>
-</file>
-
-<file path=ppt/slides/slide2.xml><?xml version="1.0" encoding="utf-8"?>
-<p:sld xmlns:a="http://schemas.openxmlformats.org/drawingml/2006/main" xmlns:r="http://schemas.openxmlformats.org/officeDocument/2006/relationships" xmlns:p="http://schemas.openxmlformats.org/presentationml/2006/main">
-  <p:cSld>
-    <p:bg>
-      <p:bgPr>
-        <a:blipFill>
-          <a:blip r:embed="rId3">
-            <a:alphaModFix/>
-          </a:blip>
-          <a:stretch>
-            <a:fillRect/>
-          </a:stretch>
-        </a:blipFill>
-        <a:effectLst/>
-      </p:bgPr>
-    </p:bg>
-    <p:spTree>
-      <p:nvGrpSpPr>
-        <p:cNvPr id="1" name="Shape 68"/>
-        <p:cNvGrpSpPr/>
-        <p:nvPr/>
-      </p:nvGrpSpPr>
-      <p:grpSpPr>
-        <a:xfrm>
-          <a:off x="0" y="0"/>
-          <a:ext cx="0" cy="0"/>
-          <a:chOff x="0" y="0"/>
-          <a:chExt cx="0" cy="0"/>
-        </a:xfrm>
-      </p:grpSpPr>
     </p:spTree>
   </p:cSld>
   <p:clrMapOvr>
